--- a/doc/信息抽取.pptx
+++ b/doc/信息抽取.pptx
@@ -106,6 +106,11 @@
       </a:defRPr>
     </a:lvl9pPr>
   </p:defaultTextStyle>
+  <p:extLst>
+    <p:ext uri="{EFAFB233-063F-42B5-8137-9DF3F51BA10A}">
+      <p15:sldGuideLst xmlns:p15="http://schemas.microsoft.com/office/powerpoint/2012/main"/>
+    </p:ext>
+  </p:extLst>
 </p:presentation>
 </file>
 
@@ -151,10 +156,9 @@
           </a:lstStyle>
           <a:p>
             <a:r>
-              <a:rPr kumimoji="1" lang="zh-CN" altLang="en-US" smtClean="0"/>
+              <a:rPr kumimoji="1" lang="zh-CN" altLang="en-US"/>
               <a:t>单击此处编辑母版标题样式</a:t>
             </a:r>
-            <a:endParaRPr kumimoji="1" lang="zh-CN" altLang="en-US"/>
           </a:p>
         </p:txBody>
       </p:sp>
@@ -216,10 +220,9 @@
           </a:lstStyle>
           <a:p>
             <a:r>
-              <a:rPr kumimoji="1" lang="zh-CN" altLang="en-US" smtClean="0"/>
+              <a:rPr kumimoji="1" lang="zh-CN" altLang="en-US"/>
               <a:t>单击此处编辑母版副标题样式</a:t>
             </a:r>
-            <a:endParaRPr kumimoji="1" lang="zh-CN" altLang="en-US"/>
           </a:p>
         </p:txBody>
       </p:sp>
@@ -240,7 +243,7 @@
           <a:p>
             <a:fld id="{F73D3321-EA3B-6046-878D-76B8704F87F0}" type="datetimeFigureOut">
               <a:rPr kumimoji="1" lang="zh-CN" altLang="en-US" smtClean="0"/>
-              <a:t>2020/1/6</a:t>
+              <a:t>2020/1/7</a:t>
             </a:fld>
             <a:endParaRPr kumimoji="1" lang="zh-CN" altLang="en-US"/>
           </a:p>
@@ -334,10 +337,9 @@
           <a:lstStyle/>
           <a:p>
             <a:r>
-              <a:rPr kumimoji="1" lang="zh-CN" altLang="en-US" smtClean="0"/>
+              <a:rPr kumimoji="1" lang="zh-CN" altLang="en-US"/>
               <a:t>单击此处编辑母版标题样式</a:t>
             </a:r>
-            <a:endParaRPr kumimoji="1" lang="zh-CN" altLang="en-US"/>
           </a:p>
         </p:txBody>
       </p:sp>
@@ -358,38 +360,37 @@
           <a:p>
             <a:pPr lvl="0"/>
             <a:r>
-              <a:rPr kumimoji="1" lang="zh-CN" altLang="en-US" smtClean="0"/>
+              <a:rPr kumimoji="1" lang="zh-CN" altLang="en-US"/>
               <a:t>单击此处编辑母版文本样式</a:t>
             </a:r>
           </a:p>
           <a:p>
             <a:pPr lvl="1"/>
             <a:r>
-              <a:rPr kumimoji="1" lang="zh-CN" altLang="en-US" smtClean="0"/>
+              <a:rPr kumimoji="1" lang="zh-CN" altLang="en-US"/>
               <a:t>二级</a:t>
             </a:r>
           </a:p>
           <a:p>
             <a:pPr lvl="2"/>
             <a:r>
-              <a:rPr kumimoji="1" lang="zh-CN" altLang="en-US" smtClean="0"/>
+              <a:rPr kumimoji="1" lang="zh-CN" altLang="en-US"/>
               <a:t>三级</a:t>
             </a:r>
           </a:p>
           <a:p>
             <a:pPr lvl="3"/>
             <a:r>
-              <a:rPr kumimoji="1" lang="zh-CN" altLang="en-US" smtClean="0"/>
+              <a:rPr kumimoji="1" lang="zh-CN" altLang="en-US"/>
               <a:t>四级</a:t>
             </a:r>
           </a:p>
           <a:p>
             <a:pPr lvl="4"/>
             <a:r>
-              <a:rPr kumimoji="1" lang="zh-CN" altLang="en-US" smtClean="0"/>
+              <a:rPr kumimoji="1" lang="zh-CN" altLang="en-US"/>
               <a:t>五级</a:t>
             </a:r>
-            <a:endParaRPr kumimoji="1" lang="zh-CN" altLang="en-US"/>
           </a:p>
         </p:txBody>
       </p:sp>
@@ -410,7 +411,7 @@
           <a:p>
             <a:fld id="{F73D3321-EA3B-6046-878D-76B8704F87F0}" type="datetimeFigureOut">
               <a:rPr kumimoji="1" lang="zh-CN" altLang="en-US" smtClean="0"/>
-              <a:t>2020/1/6</a:t>
+              <a:t>2020/1/7</a:t>
             </a:fld>
             <a:endParaRPr kumimoji="1" lang="zh-CN" altLang="en-US"/>
           </a:p>
@@ -509,10 +510,9 @@
           <a:lstStyle/>
           <a:p>
             <a:r>
-              <a:rPr kumimoji="1" lang="zh-CN" altLang="en-US" smtClean="0"/>
+              <a:rPr kumimoji="1" lang="zh-CN" altLang="en-US"/>
               <a:t>单击此处编辑母版标题样式</a:t>
             </a:r>
-            <a:endParaRPr kumimoji="1" lang="zh-CN" altLang="en-US"/>
           </a:p>
         </p:txBody>
       </p:sp>
@@ -538,38 +538,37 @@
           <a:p>
             <a:pPr lvl="0"/>
             <a:r>
-              <a:rPr kumimoji="1" lang="zh-CN" altLang="en-US" smtClean="0"/>
+              <a:rPr kumimoji="1" lang="zh-CN" altLang="en-US"/>
               <a:t>单击此处编辑母版文本样式</a:t>
             </a:r>
           </a:p>
           <a:p>
             <a:pPr lvl="1"/>
             <a:r>
-              <a:rPr kumimoji="1" lang="zh-CN" altLang="en-US" smtClean="0"/>
+              <a:rPr kumimoji="1" lang="zh-CN" altLang="en-US"/>
               <a:t>二级</a:t>
             </a:r>
           </a:p>
           <a:p>
             <a:pPr lvl="2"/>
             <a:r>
-              <a:rPr kumimoji="1" lang="zh-CN" altLang="en-US" smtClean="0"/>
+              <a:rPr kumimoji="1" lang="zh-CN" altLang="en-US"/>
               <a:t>三级</a:t>
             </a:r>
           </a:p>
           <a:p>
             <a:pPr lvl="3"/>
             <a:r>
-              <a:rPr kumimoji="1" lang="zh-CN" altLang="en-US" smtClean="0"/>
+              <a:rPr kumimoji="1" lang="zh-CN" altLang="en-US"/>
               <a:t>四级</a:t>
             </a:r>
           </a:p>
           <a:p>
             <a:pPr lvl="4"/>
             <a:r>
-              <a:rPr kumimoji="1" lang="zh-CN" altLang="en-US" smtClean="0"/>
+              <a:rPr kumimoji="1" lang="zh-CN" altLang="en-US"/>
               <a:t>五级</a:t>
             </a:r>
-            <a:endParaRPr kumimoji="1" lang="zh-CN" altLang="en-US"/>
           </a:p>
         </p:txBody>
       </p:sp>
@@ -590,7 +589,7 @@
           <a:p>
             <a:fld id="{F73D3321-EA3B-6046-878D-76B8704F87F0}" type="datetimeFigureOut">
               <a:rPr kumimoji="1" lang="zh-CN" altLang="en-US" smtClean="0"/>
-              <a:t>2020/1/6</a:t>
+              <a:t>2020/1/7</a:t>
             </a:fld>
             <a:endParaRPr kumimoji="1" lang="zh-CN" altLang="en-US"/>
           </a:p>
@@ -684,10 +683,9 @@
           <a:lstStyle/>
           <a:p>
             <a:r>
-              <a:rPr kumimoji="1" lang="zh-CN" altLang="en-US" smtClean="0"/>
+              <a:rPr kumimoji="1" lang="zh-CN" altLang="en-US"/>
               <a:t>单击此处编辑母版标题样式</a:t>
             </a:r>
-            <a:endParaRPr kumimoji="1" lang="zh-CN" altLang="en-US"/>
           </a:p>
         </p:txBody>
       </p:sp>
@@ -708,38 +706,37 @@
           <a:p>
             <a:pPr lvl="0"/>
             <a:r>
-              <a:rPr kumimoji="1" lang="zh-CN" altLang="en-US" smtClean="0"/>
+              <a:rPr kumimoji="1" lang="zh-CN" altLang="en-US"/>
               <a:t>单击此处编辑母版文本样式</a:t>
             </a:r>
           </a:p>
           <a:p>
             <a:pPr lvl="1"/>
             <a:r>
-              <a:rPr kumimoji="1" lang="zh-CN" altLang="en-US" smtClean="0"/>
+              <a:rPr kumimoji="1" lang="zh-CN" altLang="en-US"/>
               <a:t>二级</a:t>
             </a:r>
           </a:p>
           <a:p>
             <a:pPr lvl="2"/>
             <a:r>
-              <a:rPr kumimoji="1" lang="zh-CN" altLang="en-US" smtClean="0"/>
+              <a:rPr kumimoji="1" lang="zh-CN" altLang="en-US"/>
               <a:t>三级</a:t>
             </a:r>
           </a:p>
           <a:p>
             <a:pPr lvl="3"/>
             <a:r>
-              <a:rPr kumimoji="1" lang="zh-CN" altLang="en-US" smtClean="0"/>
+              <a:rPr kumimoji="1" lang="zh-CN" altLang="en-US"/>
               <a:t>四级</a:t>
             </a:r>
           </a:p>
           <a:p>
             <a:pPr lvl="4"/>
             <a:r>
-              <a:rPr kumimoji="1" lang="zh-CN" altLang="en-US" smtClean="0"/>
+              <a:rPr kumimoji="1" lang="zh-CN" altLang="en-US"/>
               <a:t>五级</a:t>
             </a:r>
-            <a:endParaRPr kumimoji="1" lang="zh-CN" altLang="en-US"/>
           </a:p>
         </p:txBody>
       </p:sp>
@@ -760,7 +757,7 @@
           <a:p>
             <a:fld id="{F73D3321-EA3B-6046-878D-76B8704F87F0}" type="datetimeFigureOut">
               <a:rPr kumimoji="1" lang="zh-CN" altLang="en-US" smtClean="0"/>
-              <a:t>2020/1/6</a:t>
+              <a:t>2020/1/7</a:t>
             </a:fld>
             <a:endParaRPr kumimoji="1" lang="zh-CN" altLang="en-US"/>
           </a:p>
@@ -863,10 +860,9 @@
           </a:lstStyle>
           <a:p>
             <a:r>
-              <a:rPr kumimoji="1" lang="zh-CN" altLang="en-US" smtClean="0"/>
+              <a:rPr kumimoji="1" lang="zh-CN" altLang="en-US"/>
               <a:t>单击此处编辑母版标题样式</a:t>
             </a:r>
-            <a:endParaRPr kumimoji="1" lang="zh-CN" altLang="en-US"/>
           </a:p>
         </p:txBody>
       </p:sp>
@@ -983,7 +979,7 @@
           <a:p>
             <a:pPr lvl="0"/>
             <a:r>
-              <a:rPr kumimoji="1" lang="zh-CN" altLang="en-US" smtClean="0"/>
+              <a:rPr kumimoji="1" lang="zh-CN" altLang="en-US"/>
               <a:t>单击此处编辑母版文本样式</a:t>
             </a:r>
           </a:p>
@@ -1006,7 +1002,7 @@
           <a:p>
             <a:fld id="{F73D3321-EA3B-6046-878D-76B8704F87F0}" type="datetimeFigureOut">
               <a:rPr kumimoji="1" lang="zh-CN" altLang="en-US" smtClean="0"/>
-              <a:t>2020/1/6</a:t>
+              <a:t>2020/1/7</a:t>
             </a:fld>
             <a:endParaRPr kumimoji="1" lang="zh-CN" altLang="en-US"/>
           </a:p>
@@ -1100,10 +1096,9 @@
           <a:lstStyle/>
           <a:p>
             <a:r>
-              <a:rPr kumimoji="1" lang="zh-CN" altLang="en-US" smtClean="0"/>
+              <a:rPr kumimoji="1" lang="zh-CN" altLang="en-US"/>
               <a:t>单击此处编辑母版标题样式</a:t>
             </a:r>
-            <a:endParaRPr kumimoji="1" lang="zh-CN" altLang="en-US"/>
           </a:p>
         </p:txBody>
       </p:sp>
@@ -1129,38 +1124,37 @@
           <a:p>
             <a:pPr lvl="0"/>
             <a:r>
-              <a:rPr kumimoji="1" lang="zh-CN" altLang="en-US" smtClean="0"/>
+              <a:rPr kumimoji="1" lang="zh-CN" altLang="en-US"/>
               <a:t>单击此处编辑母版文本样式</a:t>
             </a:r>
           </a:p>
           <a:p>
             <a:pPr lvl="1"/>
             <a:r>
-              <a:rPr kumimoji="1" lang="zh-CN" altLang="en-US" smtClean="0"/>
+              <a:rPr kumimoji="1" lang="zh-CN" altLang="en-US"/>
               <a:t>二级</a:t>
             </a:r>
           </a:p>
           <a:p>
             <a:pPr lvl="2"/>
             <a:r>
-              <a:rPr kumimoji="1" lang="zh-CN" altLang="en-US" smtClean="0"/>
+              <a:rPr kumimoji="1" lang="zh-CN" altLang="en-US"/>
               <a:t>三级</a:t>
             </a:r>
           </a:p>
           <a:p>
             <a:pPr lvl="3"/>
             <a:r>
-              <a:rPr kumimoji="1" lang="zh-CN" altLang="en-US" smtClean="0"/>
+              <a:rPr kumimoji="1" lang="zh-CN" altLang="en-US"/>
               <a:t>四级</a:t>
             </a:r>
           </a:p>
           <a:p>
             <a:pPr lvl="4"/>
             <a:r>
-              <a:rPr kumimoji="1" lang="zh-CN" altLang="en-US" smtClean="0"/>
+              <a:rPr kumimoji="1" lang="zh-CN" altLang="en-US"/>
               <a:t>五级</a:t>
             </a:r>
-            <a:endParaRPr kumimoji="1" lang="zh-CN" altLang="en-US"/>
           </a:p>
         </p:txBody>
       </p:sp>
@@ -1186,38 +1180,37 @@
           <a:p>
             <a:pPr lvl="0"/>
             <a:r>
-              <a:rPr kumimoji="1" lang="zh-CN" altLang="en-US" smtClean="0"/>
+              <a:rPr kumimoji="1" lang="zh-CN" altLang="en-US"/>
               <a:t>单击此处编辑母版文本样式</a:t>
             </a:r>
           </a:p>
           <a:p>
             <a:pPr lvl="1"/>
             <a:r>
-              <a:rPr kumimoji="1" lang="zh-CN" altLang="en-US" smtClean="0"/>
+              <a:rPr kumimoji="1" lang="zh-CN" altLang="en-US"/>
               <a:t>二级</a:t>
             </a:r>
           </a:p>
           <a:p>
             <a:pPr lvl="2"/>
             <a:r>
-              <a:rPr kumimoji="1" lang="zh-CN" altLang="en-US" smtClean="0"/>
+              <a:rPr kumimoji="1" lang="zh-CN" altLang="en-US"/>
               <a:t>三级</a:t>
             </a:r>
           </a:p>
           <a:p>
             <a:pPr lvl="3"/>
             <a:r>
-              <a:rPr kumimoji="1" lang="zh-CN" altLang="en-US" smtClean="0"/>
+              <a:rPr kumimoji="1" lang="zh-CN" altLang="en-US"/>
               <a:t>四级</a:t>
             </a:r>
           </a:p>
           <a:p>
             <a:pPr lvl="4"/>
             <a:r>
-              <a:rPr kumimoji="1" lang="zh-CN" altLang="en-US" smtClean="0"/>
+              <a:rPr kumimoji="1" lang="zh-CN" altLang="en-US"/>
               <a:t>五级</a:t>
             </a:r>
-            <a:endParaRPr kumimoji="1" lang="zh-CN" altLang="en-US"/>
           </a:p>
         </p:txBody>
       </p:sp>
@@ -1238,7 +1231,7 @@
           <a:p>
             <a:fld id="{F73D3321-EA3B-6046-878D-76B8704F87F0}" type="datetimeFigureOut">
               <a:rPr kumimoji="1" lang="zh-CN" altLang="en-US" smtClean="0"/>
-              <a:t>2020/1/6</a:t>
+              <a:t>2020/1/7</a:t>
             </a:fld>
             <a:endParaRPr kumimoji="1" lang="zh-CN" altLang="en-US"/>
           </a:p>
@@ -1337,10 +1330,9 @@
           <a:lstStyle/>
           <a:p>
             <a:r>
-              <a:rPr kumimoji="1" lang="zh-CN" altLang="en-US" smtClean="0"/>
+              <a:rPr kumimoji="1" lang="zh-CN" altLang="en-US"/>
               <a:t>单击此处编辑母版标题样式</a:t>
             </a:r>
-            <a:endParaRPr kumimoji="1" lang="zh-CN" altLang="en-US"/>
           </a:p>
         </p:txBody>
       </p:sp>
@@ -1403,7 +1395,7 @@
           <a:p>
             <a:pPr lvl="0"/>
             <a:r>
-              <a:rPr kumimoji="1" lang="zh-CN" altLang="en-US" smtClean="0"/>
+              <a:rPr kumimoji="1" lang="zh-CN" altLang="en-US"/>
               <a:t>单击此处编辑母版文本样式</a:t>
             </a:r>
           </a:p>
@@ -1431,38 +1423,37 @@
           <a:p>
             <a:pPr lvl="0"/>
             <a:r>
-              <a:rPr kumimoji="1" lang="zh-CN" altLang="en-US" smtClean="0"/>
+              <a:rPr kumimoji="1" lang="zh-CN" altLang="en-US"/>
               <a:t>单击此处编辑母版文本样式</a:t>
             </a:r>
           </a:p>
           <a:p>
             <a:pPr lvl="1"/>
             <a:r>
-              <a:rPr kumimoji="1" lang="zh-CN" altLang="en-US" smtClean="0"/>
+              <a:rPr kumimoji="1" lang="zh-CN" altLang="en-US"/>
               <a:t>二级</a:t>
             </a:r>
           </a:p>
           <a:p>
             <a:pPr lvl="2"/>
             <a:r>
-              <a:rPr kumimoji="1" lang="zh-CN" altLang="en-US" smtClean="0"/>
+              <a:rPr kumimoji="1" lang="zh-CN" altLang="en-US"/>
               <a:t>三级</a:t>
             </a:r>
           </a:p>
           <a:p>
             <a:pPr lvl="3"/>
             <a:r>
-              <a:rPr kumimoji="1" lang="zh-CN" altLang="en-US" smtClean="0"/>
+              <a:rPr kumimoji="1" lang="zh-CN" altLang="en-US"/>
               <a:t>四级</a:t>
             </a:r>
           </a:p>
           <a:p>
             <a:pPr lvl="4"/>
             <a:r>
-              <a:rPr kumimoji="1" lang="zh-CN" altLang="en-US" smtClean="0"/>
+              <a:rPr kumimoji="1" lang="zh-CN" altLang="en-US"/>
               <a:t>五级</a:t>
             </a:r>
-            <a:endParaRPr kumimoji="1" lang="zh-CN" altLang="en-US"/>
           </a:p>
         </p:txBody>
       </p:sp>
@@ -1525,7 +1516,7 @@
           <a:p>
             <a:pPr lvl="0"/>
             <a:r>
-              <a:rPr kumimoji="1" lang="zh-CN" altLang="en-US" smtClean="0"/>
+              <a:rPr kumimoji="1" lang="zh-CN" altLang="en-US"/>
               <a:t>单击此处编辑母版文本样式</a:t>
             </a:r>
           </a:p>
@@ -1553,38 +1544,37 @@
           <a:p>
             <a:pPr lvl="0"/>
             <a:r>
-              <a:rPr kumimoji="1" lang="zh-CN" altLang="en-US" smtClean="0"/>
+              <a:rPr kumimoji="1" lang="zh-CN" altLang="en-US"/>
               <a:t>单击此处编辑母版文本样式</a:t>
             </a:r>
           </a:p>
           <a:p>
             <a:pPr lvl="1"/>
             <a:r>
-              <a:rPr kumimoji="1" lang="zh-CN" altLang="en-US" smtClean="0"/>
+              <a:rPr kumimoji="1" lang="zh-CN" altLang="en-US"/>
               <a:t>二级</a:t>
             </a:r>
           </a:p>
           <a:p>
             <a:pPr lvl="2"/>
             <a:r>
-              <a:rPr kumimoji="1" lang="zh-CN" altLang="en-US" smtClean="0"/>
+              <a:rPr kumimoji="1" lang="zh-CN" altLang="en-US"/>
               <a:t>三级</a:t>
             </a:r>
           </a:p>
           <a:p>
             <a:pPr lvl="3"/>
             <a:r>
-              <a:rPr kumimoji="1" lang="zh-CN" altLang="en-US" smtClean="0"/>
+              <a:rPr kumimoji="1" lang="zh-CN" altLang="en-US"/>
               <a:t>四级</a:t>
             </a:r>
           </a:p>
           <a:p>
             <a:pPr lvl="4"/>
             <a:r>
-              <a:rPr kumimoji="1" lang="zh-CN" altLang="en-US" smtClean="0"/>
+              <a:rPr kumimoji="1" lang="zh-CN" altLang="en-US"/>
               <a:t>五级</a:t>
             </a:r>
-            <a:endParaRPr kumimoji="1" lang="zh-CN" altLang="en-US"/>
           </a:p>
         </p:txBody>
       </p:sp>
@@ -1605,7 +1595,7 @@
           <a:p>
             <a:fld id="{F73D3321-EA3B-6046-878D-76B8704F87F0}" type="datetimeFigureOut">
               <a:rPr kumimoji="1" lang="zh-CN" altLang="en-US" smtClean="0"/>
-              <a:t>2020/1/6</a:t>
+              <a:t>2020/1/7</a:t>
             </a:fld>
             <a:endParaRPr kumimoji="1" lang="zh-CN" altLang="en-US"/>
           </a:p>
@@ -1699,10 +1689,9 @@
           <a:lstStyle/>
           <a:p>
             <a:r>
-              <a:rPr kumimoji="1" lang="zh-CN" altLang="en-US" smtClean="0"/>
+              <a:rPr kumimoji="1" lang="zh-CN" altLang="en-US"/>
               <a:t>单击此处编辑母版标题样式</a:t>
             </a:r>
-            <a:endParaRPr kumimoji="1" lang="zh-CN" altLang="en-US"/>
           </a:p>
         </p:txBody>
       </p:sp>
@@ -1723,7 +1712,7 @@
           <a:p>
             <a:fld id="{F73D3321-EA3B-6046-878D-76B8704F87F0}" type="datetimeFigureOut">
               <a:rPr kumimoji="1" lang="zh-CN" altLang="en-US" smtClean="0"/>
-              <a:t>2020/1/6</a:t>
+              <a:t>2020/1/7</a:t>
             </a:fld>
             <a:endParaRPr kumimoji="1" lang="zh-CN" altLang="en-US"/>
           </a:p>
@@ -1818,7 +1807,7 @@
           <a:p>
             <a:fld id="{F73D3321-EA3B-6046-878D-76B8704F87F0}" type="datetimeFigureOut">
               <a:rPr kumimoji="1" lang="zh-CN" altLang="en-US" smtClean="0"/>
-              <a:t>2020/1/6</a:t>
+              <a:t>2020/1/7</a:t>
             </a:fld>
             <a:endParaRPr kumimoji="1" lang="zh-CN" altLang="en-US"/>
           </a:p>
@@ -1921,10 +1910,9 @@
           </a:lstStyle>
           <a:p>
             <a:r>
-              <a:rPr kumimoji="1" lang="zh-CN" altLang="en-US" smtClean="0"/>
+              <a:rPr kumimoji="1" lang="zh-CN" altLang="en-US"/>
               <a:t>单击此处编辑母版标题样式</a:t>
             </a:r>
-            <a:endParaRPr kumimoji="1" lang="zh-CN" altLang="en-US"/>
           </a:p>
         </p:txBody>
       </p:sp>
@@ -1978,38 +1966,37 @@
           <a:p>
             <a:pPr lvl="0"/>
             <a:r>
-              <a:rPr kumimoji="1" lang="zh-CN" altLang="en-US" smtClean="0"/>
+              <a:rPr kumimoji="1" lang="zh-CN" altLang="en-US"/>
               <a:t>单击此处编辑母版文本样式</a:t>
             </a:r>
           </a:p>
           <a:p>
             <a:pPr lvl="1"/>
             <a:r>
-              <a:rPr kumimoji="1" lang="zh-CN" altLang="en-US" smtClean="0"/>
+              <a:rPr kumimoji="1" lang="zh-CN" altLang="en-US"/>
               <a:t>二级</a:t>
             </a:r>
           </a:p>
           <a:p>
             <a:pPr lvl="2"/>
             <a:r>
-              <a:rPr kumimoji="1" lang="zh-CN" altLang="en-US" smtClean="0"/>
+              <a:rPr kumimoji="1" lang="zh-CN" altLang="en-US"/>
               <a:t>三级</a:t>
             </a:r>
           </a:p>
           <a:p>
             <a:pPr lvl="3"/>
             <a:r>
-              <a:rPr kumimoji="1" lang="zh-CN" altLang="en-US" smtClean="0"/>
+              <a:rPr kumimoji="1" lang="zh-CN" altLang="en-US"/>
               <a:t>四级</a:t>
             </a:r>
           </a:p>
           <a:p>
             <a:pPr lvl="4"/>
             <a:r>
-              <a:rPr kumimoji="1" lang="zh-CN" altLang="en-US" smtClean="0"/>
+              <a:rPr kumimoji="1" lang="zh-CN" altLang="en-US"/>
               <a:t>五级</a:t>
             </a:r>
-            <a:endParaRPr kumimoji="1" lang="zh-CN" altLang="en-US"/>
           </a:p>
         </p:txBody>
       </p:sp>
@@ -2072,7 +2059,7 @@
           <a:p>
             <a:pPr lvl="0"/>
             <a:r>
-              <a:rPr kumimoji="1" lang="zh-CN" altLang="en-US" smtClean="0"/>
+              <a:rPr kumimoji="1" lang="zh-CN" altLang="en-US"/>
               <a:t>单击此处编辑母版文本样式</a:t>
             </a:r>
           </a:p>
@@ -2095,7 +2082,7 @@
           <a:p>
             <a:fld id="{F73D3321-EA3B-6046-878D-76B8704F87F0}" type="datetimeFigureOut">
               <a:rPr kumimoji="1" lang="zh-CN" altLang="en-US" smtClean="0"/>
-              <a:t>2020/1/6</a:t>
+              <a:t>2020/1/7</a:t>
             </a:fld>
             <a:endParaRPr kumimoji="1" lang="zh-CN" altLang="en-US"/>
           </a:p>
@@ -2198,10 +2185,9 @@
           </a:lstStyle>
           <a:p>
             <a:r>
-              <a:rPr kumimoji="1" lang="zh-CN" altLang="en-US" smtClean="0"/>
+              <a:rPr kumimoji="1" lang="zh-CN" altLang="en-US"/>
               <a:t>单击此处编辑母版标题样式</a:t>
             </a:r>
-            <a:endParaRPr kumimoji="1" lang="zh-CN" altLang="en-US"/>
           </a:p>
         </p:txBody>
       </p:sp>
@@ -2325,7 +2311,7 @@
           <a:p>
             <a:pPr lvl="0"/>
             <a:r>
-              <a:rPr kumimoji="1" lang="zh-CN" altLang="en-US" smtClean="0"/>
+              <a:rPr kumimoji="1" lang="zh-CN" altLang="en-US"/>
               <a:t>单击此处编辑母版文本样式</a:t>
             </a:r>
           </a:p>
@@ -2348,7 +2334,7 @@
           <a:p>
             <a:fld id="{F73D3321-EA3B-6046-878D-76B8704F87F0}" type="datetimeFigureOut">
               <a:rPr kumimoji="1" lang="zh-CN" altLang="en-US" smtClean="0"/>
-              <a:t>2020/1/6</a:t>
+              <a:t>2020/1/7</a:t>
             </a:fld>
             <a:endParaRPr kumimoji="1" lang="zh-CN" altLang="en-US"/>
           </a:p>
@@ -2457,10 +2443,9 @@
           <a:lstStyle/>
           <a:p>
             <a:r>
-              <a:rPr kumimoji="1" lang="zh-CN" altLang="en-US" smtClean="0"/>
+              <a:rPr kumimoji="1" lang="zh-CN" altLang="en-US"/>
               <a:t>单击此处编辑母版标题样式</a:t>
             </a:r>
-            <a:endParaRPr kumimoji="1" lang="zh-CN" altLang="en-US"/>
           </a:p>
         </p:txBody>
       </p:sp>
@@ -2491,38 +2476,37 @@
           <a:p>
             <a:pPr lvl="0"/>
             <a:r>
-              <a:rPr kumimoji="1" lang="zh-CN" altLang="en-US" smtClean="0"/>
+              <a:rPr kumimoji="1" lang="zh-CN" altLang="en-US"/>
               <a:t>单击此处编辑母版文本样式</a:t>
             </a:r>
           </a:p>
           <a:p>
             <a:pPr lvl="1"/>
             <a:r>
-              <a:rPr kumimoji="1" lang="zh-CN" altLang="en-US" smtClean="0"/>
+              <a:rPr kumimoji="1" lang="zh-CN" altLang="en-US"/>
               <a:t>二级</a:t>
             </a:r>
           </a:p>
           <a:p>
             <a:pPr lvl="2"/>
             <a:r>
-              <a:rPr kumimoji="1" lang="zh-CN" altLang="en-US" smtClean="0"/>
+              <a:rPr kumimoji="1" lang="zh-CN" altLang="en-US"/>
               <a:t>三级</a:t>
             </a:r>
           </a:p>
           <a:p>
             <a:pPr lvl="3"/>
             <a:r>
-              <a:rPr kumimoji="1" lang="zh-CN" altLang="en-US" smtClean="0"/>
+              <a:rPr kumimoji="1" lang="zh-CN" altLang="en-US"/>
               <a:t>四级</a:t>
             </a:r>
           </a:p>
           <a:p>
             <a:pPr lvl="4"/>
             <a:r>
-              <a:rPr kumimoji="1" lang="zh-CN" altLang="en-US" smtClean="0"/>
+              <a:rPr kumimoji="1" lang="zh-CN" altLang="en-US"/>
               <a:t>五级</a:t>
             </a:r>
-            <a:endParaRPr kumimoji="1" lang="zh-CN" altLang="en-US"/>
           </a:p>
         </p:txBody>
       </p:sp>
@@ -2561,7 +2545,7 @@
           <a:p>
             <a:fld id="{F73D3321-EA3B-6046-878D-76B8704F87F0}" type="datetimeFigureOut">
               <a:rPr kumimoji="1" lang="zh-CN" altLang="en-US" smtClean="0"/>
-              <a:t>2020/1/6</a:t>
+              <a:t>2020/1/7</a:t>
             </a:fld>
             <a:endParaRPr kumimoji="1" lang="zh-CN" altLang="en-US"/>
           </a:p>
@@ -2982,10 +2966,9 @@
           <a:lstStyle/>
           <a:p>
             <a:r>
-              <a:rPr kumimoji="1" lang="zh-CN" altLang="en-US" dirty="0" smtClean="0"/>
+              <a:rPr kumimoji="1" lang="zh-CN" altLang="en-US" dirty="0"/>
               <a:t>新词发现</a:t>
             </a:r>
-            <a:endParaRPr kumimoji="1" lang="zh-CN" altLang="en-US" dirty="0"/>
           </a:p>
         </p:txBody>
       </p:sp>
@@ -3004,6 +2987,36 @@
           <a:bodyPr/>
           <a:lstStyle/>
           <a:p>
+            <a:r>
+              <a:rPr kumimoji="1" lang="en-US" altLang="zh-CN"/>
+              <a:t>baiziyu</a:t>
+            </a:r>
+          </a:p>
+          <a:p>
+            <a:r>
+              <a:rPr kumimoji="1" lang="en-US" altLang="zh-CN"/>
+              <a:t>2020</a:t>
+            </a:r>
+            <a:r>
+              <a:rPr kumimoji="1" lang="zh-CN" altLang="en-US"/>
+              <a:t>年</a:t>
+            </a:r>
+            <a:r>
+              <a:rPr kumimoji="1" lang="en-US" altLang="zh-CN"/>
+              <a:t>01</a:t>
+            </a:r>
+            <a:r>
+              <a:rPr kumimoji="1" lang="zh-CN" altLang="en-US"/>
+              <a:t>月</a:t>
+            </a:r>
+            <a:r>
+              <a:rPr kumimoji="1" lang="en-US" altLang="zh-CN"/>
+              <a:t>07</a:t>
+            </a:r>
+            <a:r>
+              <a:rPr kumimoji="1" lang="zh-CN" altLang="en-US"/>
+              <a:t>日</a:t>
+            </a:r>
             <a:endParaRPr kumimoji="1" lang="zh-CN" altLang="en-US" dirty="0"/>
           </a:p>
         </p:txBody>
@@ -3054,10 +3067,9 @@
           <a:lstStyle/>
           <a:p>
             <a:r>
-              <a:rPr kumimoji="1" lang="zh-CN" altLang="en-US" dirty="0" smtClean="0"/>
+              <a:rPr kumimoji="1" lang="zh-CN" altLang="en-US" dirty="0"/>
               <a:t>专业词抽取流程</a:t>
             </a:r>
-            <a:endParaRPr kumimoji="1" lang="zh-CN" altLang="en-US" dirty="0"/>
           </a:p>
         </p:txBody>
       </p:sp>
@@ -3096,10 +3108,9 @@
           <a:p>
             <a:pPr algn="ctr"/>
             <a:r>
-              <a:rPr kumimoji="1" lang="zh-CN" altLang="en-US" smtClean="0"/>
+              <a:rPr kumimoji="1" lang="zh-CN" altLang="en-US"/>
               <a:t>领域文本集</a:t>
             </a:r>
-            <a:endParaRPr kumimoji="1" lang="zh-CN" altLang="en-US"/>
           </a:p>
         </p:txBody>
       </p:sp>
@@ -3138,11 +3149,11 @@
           <a:p>
             <a:pPr algn="ctr"/>
             <a:r>
-              <a:rPr kumimoji="1" lang="zh-CN" altLang="en-US" dirty="0" smtClean="0"/>
+              <a:rPr kumimoji="1" lang="zh-CN" altLang="en-US" dirty="0"/>
               <a:t>分词、去除与领域</a:t>
             </a:r>
             <a:r>
-              <a:rPr kumimoji="1" lang="zh-CN" altLang="en-US" smtClean="0"/>
+              <a:rPr kumimoji="1" lang="zh-CN" altLang="en-US"/>
               <a:t>无关的常用词</a:t>
             </a:r>
             <a:endParaRPr kumimoji="1" lang="zh-CN" altLang="en-US" dirty="0"/>
@@ -3184,10 +3195,9 @@
           <a:p>
             <a:pPr algn="ctr"/>
             <a:r>
-              <a:rPr kumimoji="1" lang="zh-CN" altLang="en-US" dirty="0" smtClean="0"/>
+              <a:rPr kumimoji="1" lang="zh-CN" altLang="en-US" dirty="0"/>
               <a:t>词频统计</a:t>
             </a:r>
-            <a:endParaRPr kumimoji="1" lang="zh-CN" altLang="en-US" dirty="0"/>
           </a:p>
         </p:txBody>
       </p:sp>
@@ -3214,14 +3224,13 @@
           <a:lstStyle/>
           <a:p>
             <a:r>
-              <a:rPr kumimoji="1" lang="zh-CN" altLang="en-US" dirty="0" smtClean="0"/>
+              <a:rPr kumimoji="1" lang="zh-CN" altLang="en-US" dirty="0"/>
               <a:t>设定频次</a:t>
             </a:r>
             <a:r>
-              <a:rPr kumimoji="1" lang="zh-CN" altLang="en-US" smtClean="0"/>
+              <a:rPr kumimoji="1" lang="zh-CN" altLang="en-US"/>
               <a:t>阈值，筛选出待扩展中心词</a:t>
             </a:r>
-            <a:endParaRPr kumimoji="1" lang="zh-CN" altLang="en-US"/>
           </a:p>
         </p:txBody>
       </p:sp>
@@ -3260,7 +3269,7 @@
           <a:p>
             <a:pPr algn="ctr"/>
             <a:r>
-              <a:rPr kumimoji="1" lang="zh-CN" altLang="en-US" smtClean="0"/>
+              <a:rPr kumimoji="1" lang="zh-CN" altLang="en-US"/>
               <a:t>抽取候选专业词</a:t>
             </a:r>
             <a:endParaRPr kumimoji="1" lang="zh-CN" altLang="en-US" dirty="0"/>
@@ -3290,11 +3299,11 @@
           <a:lstStyle/>
           <a:p>
             <a:r>
-              <a:rPr kumimoji="1" lang="zh-CN" altLang="en-US" dirty="0" smtClean="0"/>
+              <a:rPr kumimoji="1" lang="zh-CN" altLang="en-US" dirty="0"/>
               <a:t>左右</a:t>
             </a:r>
             <a:r>
-              <a:rPr kumimoji="1" lang="zh-CN" altLang="en-US" smtClean="0"/>
+              <a:rPr kumimoji="1" lang="zh-CN" altLang="en-US"/>
               <a:t>信息熵法</a:t>
             </a:r>
             <a:endParaRPr kumimoji="1" lang="zh-CN" altLang="en-US" dirty="0"/>
@@ -3336,10 +3345,9 @@
           <a:p>
             <a:pPr algn="ctr"/>
             <a:r>
-              <a:rPr kumimoji="1" lang="zh-CN" altLang="en-US" dirty="0" smtClean="0"/>
+              <a:rPr kumimoji="1" lang="zh-CN" altLang="en-US" dirty="0"/>
               <a:t>词性规则筛选</a:t>
             </a:r>
-            <a:endParaRPr kumimoji="1" lang="zh-CN" altLang="en-US" dirty="0"/>
           </a:p>
         </p:txBody>
       </p:sp>
@@ -3378,11 +3386,11 @@
           <a:p>
             <a:pPr algn="ctr"/>
             <a:r>
-              <a:rPr kumimoji="1" lang="zh-CN" altLang="en-US" dirty="0" smtClean="0"/>
+              <a:rPr kumimoji="1" lang="zh-CN" altLang="en-US" dirty="0"/>
               <a:t>首尾字</a:t>
             </a:r>
             <a:r>
-              <a:rPr kumimoji="1" lang="zh-CN" altLang="en-US" smtClean="0"/>
+              <a:rPr kumimoji="1" lang="zh-CN" altLang="en-US"/>
               <a:t>、词筛选</a:t>
             </a:r>
             <a:endParaRPr kumimoji="1" lang="zh-CN" altLang="en-US" dirty="0"/>
@@ -3424,17 +3432,16 @@
           <a:p>
             <a:pPr algn="ctr"/>
             <a:r>
-              <a:rPr kumimoji="1" lang="en-US" altLang="zh-CN" dirty="0" smtClean="0"/>
+              <a:rPr kumimoji="1" lang="en-US" altLang="zh-CN" dirty="0"/>
               <a:t>TF-IDF</a:t>
             </a:r>
           </a:p>
           <a:p>
             <a:pPr algn="ctr"/>
             <a:r>
-              <a:rPr kumimoji="1" lang="zh-CN" altLang="en-US" dirty="0" smtClean="0"/>
+              <a:rPr kumimoji="1" lang="zh-CN" altLang="en-US" dirty="0"/>
               <a:t>筛选</a:t>
             </a:r>
-            <a:endParaRPr kumimoji="1" lang="zh-CN" altLang="en-US" dirty="0"/>
           </a:p>
         </p:txBody>
       </p:sp>
@@ -3473,18 +3480,17 @@
           <a:p>
             <a:pPr algn="ctr"/>
             <a:r>
-              <a:rPr kumimoji="1" lang="zh-CN" altLang="en-US" dirty="0" smtClean="0"/>
+              <a:rPr kumimoji="1" lang="zh-CN" altLang="en-US" dirty="0"/>
               <a:t>通用词库</a:t>
             </a:r>
-            <a:endParaRPr kumimoji="1" lang="en-US" altLang="zh-CN" dirty="0" smtClean="0"/>
+            <a:endParaRPr kumimoji="1" lang="en-US" altLang="zh-CN" dirty="0"/>
           </a:p>
           <a:p>
             <a:pPr algn="ctr"/>
             <a:r>
-              <a:rPr kumimoji="1" lang="zh-CN" altLang="en-US" dirty="0" smtClean="0"/>
+              <a:rPr kumimoji="1" lang="zh-CN" altLang="en-US" dirty="0"/>
               <a:t>筛选</a:t>
             </a:r>
-            <a:endParaRPr kumimoji="1" lang="zh-CN" altLang="en-US" dirty="0"/>
           </a:p>
         </p:txBody>
       </p:sp>
@@ -3794,10 +3800,9 @@
           <a:lstStyle/>
           <a:p>
             <a:r>
-              <a:rPr kumimoji="1" lang="zh-CN" altLang="en-US" dirty="0" smtClean="0"/>
+              <a:rPr kumimoji="1" lang="zh-CN" altLang="en-US" dirty="0"/>
               <a:t>见词性规则表</a:t>
             </a:r>
-            <a:endParaRPr kumimoji="1" lang="zh-CN" altLang="en-US" dirty="0"/>
           </a:p>
         </p:txBody>
       </p:sp>
@@ -3824,10 +3829,9 @@
           <a:lstStyle/>
           <a:p>
             <a:r>
-              <a:rPr kumimoji="1" lang="zh-CN" altLang="en-US" dirty="0" smtClean="0"/>
+              <a:rPr kumimoji="1" lang="zh-CN" altLang="en-US" dirty="0"/>
               <a:t>统计领域专有词表中词的首尾字、词频率</a:t>
             </a:r>
-            <a:endParaRPr kumimoji="1" lang="zh-CN" altLang="en-US" dirty="0"/>
           </a:p>
         </p:txBody>
       </p:sp>
@@ -3854,11 +3858,11 @@
           <a:lstStyle/>
           <a:p>
             <a:r>
-              <a:rPr kumimoji="1" lang="zh-CN" altLang="en-US" dirty="0" smtClean="0"/>
+              <a:rPr kumimoji="1" lang="zh-CN" altLang="en-US" dirty="0"/>
               <a:t>对长文本</a:t>
             </a:r>
             <a:r>
-              <a:rPr kumimoji="1" lang="zh-CN" altLang="en-US" smtClean="0"/>
+              <a:rPr kumimoji="1" lang="zh-CN" altLang="en-US"/>
               <a:t>集才有效</a:t>
             </a:r>
             <a:endParaRPr kumimoji="1" lang="zh-CN" altLang="en-US" dirty="0"/>
@@ -3888,11 +3892,11 @@
           <a:lstStyle/>
           <a:p>
             <a:r>
-              <a:rPr kumimoji="1" lang="zh-CN" altLang="en-US" dirty="0" smtClean="0"/>
+              <a:rPr kumimoji="1" lang="zh-CN" altLang="en-US" dirty="0"/>
               <a:t>已抽取过</a:t>
             </a:r>
             <a:r>
-              <a:rPr kumimoji="1" lang="zh-CN" altLang="en-US" smtClean="0"/>
+              <a:rPr kumimoji="1" lang="zh-CN" altLang="en-US"/>
               <a:t>的词就不要了</a:t>
             </a:r>
             <a:endParaRPr kumimoji="1" lang="zh-CN" altLang="en-US" dirty="0"/>
@@ -3945,10 +3949,9 @@
           <a:lstStyle/>
           <a:p>
             <a:r>
-              <a:rPr kumimoji="1" lang="zh-CN" altLang="en-US" dirty="0" smtClean="0"/>
+              <a:rPr kumimoji="1" lang="zh-CN" altLang="en-US" dirty="0"/>
               <a:t>专业词语内部的词性搭配规则</a:t>
             </a:r>
-            <a:endParaRPr kumimoji="1" lang="zh-CN" altLang="en-US" dirty="0"/>
           </a:p>
         </p:txBody>
       </p:sp>
@@ -3977,8 +3980,20 @@
                 <a:tableStyleId>{5940675A-B579-460E-94D1-54222C63F5DA}</a:tableStyleId>
               </a:tblPr>
               <a:tblGrid>
-                <a:gridCol w="1826971"/>
-                <a:gridCol w="7681014"/>
+                <a:gridCol w="1826971">
+                  <a:extLst>
+                    <a:ext uri="{9D8B030D-6E8A-4147-A177-3AD203B41FA5}">
+                      <a16:colId xmlns:a16="http://schemas.microsoft.com/office/drawing/2014/main" val="20000"/>
+                    </a:ext>
+                  </a:extLst>
+                </a:gridCol>
+                <a:gridCol w="7681014">
+                  <a:extLst>
+                    <a:ext uri="{9D8B030D-6E8A-4147-A177-3AD203B41FA5}">
+                      <a16:colId xmlns:a16="http://schemas.microsoft.com/office/drawing/2014/main" val="20001"/>
+                    </a:ext>
+                  </a:extLst>
+                </a:gridCol>
               </a:tblGrid>
               <a:tr h="370840">
                 <a:tc>
@@ -3988,10 +4003,9 @@
                     <a:p>
                       <a:pPr algn="ctr"/>
                       <a:r>
-                        <a:rPr lang="zh-CN" altLang="en-US" dirty="0" smtClean="0"/>
+                        <a:rPr lang="zh-CN" altLang="en-US" dirty="0"/>
                         <a:t>内部词语数</a:t>
                       </a:r>
-                      <a:endParaRPr lang="zh-CN" altLang="en-US" dirty="0"/>
                     </a:p>
                   </a:txBody>
                   <a:tcPr anchor="ctr"/>
@@ -4003,14 +4017,18 @@
                     <a:p>
                       <a:pPr algn="ctr"/>
                       <a:r>
-                        <a:rPr lang="zh-CN" altLang="en-US" dirty="0" smtClean="0"/>
+                        <a:rPr lang="zh-CN" altLang="en-US" dirty="0"/>
                         <a:t>词性搭配规则</a:t>
                       </a:r>
-                      <a:endParaRPr lang="zh-CN" altLang="en-US" dirty="0"/>
                     </a:p>
                   </a:txBody>
                   <a:tcPr/>
                 </a:tc>
+                <a:extLst>
+                  <a:ext uri="{0D108BD9-81ED-4DB2-BD59-A6C34878D82A}">
+                    <a16:rowId xmlns:a16="http://schemas.microsoft.com/office/drawing/2014/main" val="10000"/>
+                  </a:ext>
+                </a:extLst>
               </a:tr>
               <a:tr h="370840">
                 <a:tc>
@@ -4020,10 +4038,9 @@
                     <a:p>
                       <a:pPr algn="ctr"/>
                       <a:r>
-                        <a:rPr lang="zh-CN" altLang="en-US" dirty="0" smtClean="0"/>
+                        <a:rPr lang="zh-CN" altLang="en-US" dirty="0"/>
                         <a:t>一元</a:t>
                       </a:r>
-                      <a:endParaRPr lang="zh-CN" altLang="en-US" dirty="0"/>
                     </a:p>
                   </a:txBody>
                   <a:tcPr anchor="ctr"/>
@@ -4034,66 +4051,70 @@
                     <a:lstStyle/>
                     <a:p>
                       <a:r>
-                        <a:rPr lang="zh-CN" altLang="en-US" dirty="0" smtClean="0"/>
+                        <a:rPr lang="zh-CN" altLang="en-US" dirty="0"/>
                         <a:t>词性</a:t>
                       </a:r>
                       <a:r>
-                        <a:rPr lang="zh-CN" altLang="en-US" smtClean="0"/>
+                        <a:rPr lang="zh-CN" altLang="en-US"/>
                         <a:t>标注为：</a:t>
                       </a:r>
                       <a:r>
-                        <a:rPr lang="en-US" altLang="zh-CN" smtClean="0"/>
+                        <a:rPr lang="en-US" altLang="zh-CN"/>
                         <a:t>n</a:t>
                       </a:r>
                       <a:r>
-                        <a:rPr lang="zh-CN" altLang="en-US" dirty="0" smtClean="0"/>
+                        <a:rPr lang="zh-CN" altLang="en-US" dirty="0"/>
                         <a:t>、</a:t>
                       </a:r>
                       <a:r>
-                        <a:rPr lang="en-US" altLang="zh-CN" dirty="0" smtClean="0"/>
+                        <a:rPr lang="en-US" altLang="zh-CN" dirty="0"/>
                         <a:t>v</a:t>
                       </a:r>
                       <a:r>
-                        <a:rPr lang="zh-CN" altLang="en-US" dirty="0" smtClean="0"/>
+                        <a:rPr lang="zh-CN" altLang="en-US" dirty="0"/>
                         <a:t>、</a:t>
                       </a:r>
                       <a:r>
-                        <a:rPr lang="en-US" altLang="zh-CN" dirty="0" err="1" smtClean="0"/>
+                        <a:rPr lang="en-US" altLang="zh-CN" dirty="0" err="1"/>
                         <a:t>vn</a:t>
                       </a:r>
                       <a:r>
-                        <a:rPr lang="zh-CN" altLang="en-US" dirty="0" smtClean="0"/>
+                        <a:rPr lang="zh-CN" altLang="en-US" dirty="0"/>
                         <a:t>、</a:t>
                       </a:r>
                       <a:r>
-                        <a:rPr lang="en-US" altLang="zh-CN" dirty="0" smtClean="0"/>
+                        <a:rPr lang="en-US" altLang="zh-CN" dirty="0"/>
                         <a:t>vi</a:t>
                       </a:r>
                       <a:r>
-                        <a:rPr lang="zh-CN" altLang="en-US" dirty="0" smtClean="0"/>
+                        <a:rPr lang="zh-CN" altLang="en-US" dirty="0"/>
                         <a:t>、</a:t>
                       </a:r>
                       <a:r>
-                        <a:rPr lang="en-US" altLang="zh-CN" dirty="0" smtClean="0"/>
+                        <a:rPr lang="en-US" altLang="zh-CN" dirty="0"/>
                         <a:t>a</a:t>
                       </a:r>
                       <a:r>
-                        <a:rPr lang="zh-CN" altLang="en-US" dirty="0" smtClean="0"/>
+                        <a:rPr lang="zh-CN" altLang="en-US" dirty="0"/>
                         <a:t>、</a:t>
                       </a:r>
                       <a:r>
-                        <a:rPr lang="en-US" altLang="zh-CN" dirty="0" smtClean="0"/>
+                        <a:rPr lang="en-US" altLang="zh-CN" dirty="0"/>
                         <a:t>l</a:t>
                       </a:r>
                       <a:r>
-                        <a:rPr lang="zh-CN" altLang="en-US" dirty="0" smtClean="0"/>
+                        <a:rPr lang="zh-CN" altLang="en-US" dirty="0"/>
                         <a:t>之一</a:t>
                       </a:r>
-                      <a:endParaRPr lang="zh-CN" altLang="en-US" dirty="0"/>
                     </a:p>
                   </a:txBody>
                   <a:tcPr/>
                 </a:tc>
+                <a:extLst>
+                  <a:ext uri="{0D108BD9-81ED-4DB2-BD59-A6C34878D82A}">
+                    <a16:rowId xmlns:a16="http://schemas.microsoft.com/office/drawing/2014/main" val="10001"/>
+                  </a:ext>
+                </a:extLst>
               </a:tr>
               <a:tr h="370840">
                 <a:tc>
@@ -4103,10 +4124,9 @@
                     <a:p>
                       <a:pPr algn="ctr"/>
                       <a:r>
-                        <a:rPr lang="zh-CN" altLang="en-US" dirty="0" smtClean="0"/>
+                        <a:rPr lang="zh-CN" altLang="en-US" dirty="0"/>
                         <a:t>二元</a:t>
                       </a:r>
-                      <a:endParaRPr lang="zh-CN" altLang="en-US" dirty="0"/>
                     </a:p>
                   </a:txBody>
                   <a:tcPr anchor="ctr"/>
@@ -4117,186 +4137,190 @@
                     <a:lstStyle/>
                     <a:p>
                       <a:r>
-                        <a:rPr lang="zh-CN" altLang="en-US" dirty="0" smtClean="0"/>
+                        <a:rPr lang="zh-CN" altLang="en-US" dirty="0"/>
                         <a:t>词性标注</a:t>
                       </a:r>
                       <a:r>
-                        <a:rPr lang="zh-CN" altLang="en-US" smtClean="0"/>
+                        <a:rPr lang="zh-CN" altLang="en-US"/>
                         <a:t>搭配为：</a:t>
                       </a:r>
                       <a:r>
-                        <a:rPr lang="en-US" altLang="zh-CN" smtClean="0"/>
+                        <a:rPr lang="en-US" altLang="zh-CN"/>
                         <a:t>n+n</a:t>
                       </a:r>
                       <a:r>
-                        <a:rPr lang="zh-CN" altLang="en-US" dirty="0" smtClean="0"/>
+                        <a:rPr lang="zh-CN" altLang="en-US" dirty="0"/>
                         <a:t>、</a:t>
                       </a:r>
                       <a:r>
-                        <a:rPr lang="en-US" altLang="zh-CN" dirty="0" err="1" smtClean="0"/>
+                        <a:rPr lang="en-US" altLang="zh-CN" dirty="0" err="1"/>
                         <a:t>n+v</a:t>
                       </a:r>
                       <a:r>
-                        <a:rPr lang="zh-CN" altLang="en-US" dirty="0" smtClean="0"/>
+                        <a:rPr lang="zh-CN" altLang="en-US" dirty="0"/>
                         <a:t>、</a:t>
                       </a:r>
                       <a:r>
-                        <a:rPr lang="en-US" altLang="zh-CN" dirty="0" err="1" smtClean="0"/>
+                        <a:rPr lang="en-US" altLang="zh-CN" dirty="0" err="1"/>
                         <a:t>n+vn</a:t>
                       </a:r>
                       <a:r>
-                        <a:rPr lang="zh-CN" altLang="en-US" dirty="0" smtClean="0"/>
+                        <a:rPr lang="zh-CN" altLang="en-US" dirty="0"/>
                         <a:t>、</a:t>
                       </a:r>
                       <a:r>
-                        <a:rPr lang="en-US" altLang="zh-CN" dirty="0" err="1" smtClean="0"/>
+                        <a:rPr lang="en-US" altLang="zh-CN" dirty="0" err="1"/>
                         <a:t>v+n</a:t>
                       </a:r>
                       <a:r>
-                        <a:rPr lang="zh-CN" altLang="en-US" dirty="0" smtClean="0"/>
+                        <a:rPr lang="zh-CN" altLang="en-US" dirty="0"/>
                         <a:t>、</a:t>
                       </a:r>
                       <a:r>
-                        <a:rPr lang="en-US" altLang="zh-CN" dirty="0" err="1" smtClean="0"/>
+                        <a:rPr lang="en-US" altLang="zh-CN" dirty="0" err="1"/>
                         <a:t>vn+n</a:t>
                       </a:r>
                       <a:r>
-                        <a:rPr lang="zh-CN" altLang="en-US" dirty="0" smtClean="0"/>
+                        <a:rPr lang="zh-CN" altLang="en-US" dirty="0"/>
                         <a:t>、</a:t>
                       </a:r>
                       <a:r>
-                        <a:rPr lang="en-US" altLang="zh-CN" dirty="0" err="1" smtClean="0"/>
+                        <a:rPr lang="en-US" altLang="zh-CN" dirty="0" err="1"/>
                         <a:t>b+n</a:t>
                       </a:r>
                       <a:r>
-                        <a:rPr lang="zh-CN" altLang="en-US" dirty="0" smtClean="0"/>
+                        <a:rPr lang="zh-CN" altLang="en-US" dirty="0"/>
                         <a:t>、</a:t>
                       </a:r>
                       <a:r>
-                        <a:rPr lang="en-US" altLang="zh-CN" dirty="0" err="1" smtClean="0"/>
+                        <a:rPr lang="en-US" altLang="zh-CN" dirty="0" err="1"/>
                         <a:t>v+v</a:t>
                       </a:r>
                       <a:r>
-                        <a:rPr lang="zh-CN" altLang="en-US" dirty="0" smtClean="0"/>
+                        <a:rPr lang="zh-CN" altLang="en-US" dirty="0"/>
                         <a:t>、</a:t>
                       </a:r>
                       <a:r>
-                        <a:rPr lang="en-US" altLang="zh-CN" dirty="0" err="1" smtClean="0"/>
+                        <a:rPr lang="en-US" altLang="zh-CN" dirty="0" err="1"/>
                         <a:t>a+n</a:t>
                       </a:r>
                       <a:r>
-                        <a:rPr lang="zh-CN" altLang="en-US" dirty="0" smtClean="0"/>
+                        <a:rPr lang="zh-CN" altLang="en-US" dirty="0"/>
                         <a:t>、</a:t>
                       </a:r>
                       <a:r>
-                        <a:rPr lang="en-US" altLang="zh-CN" dirty="0" err="1" smtClean="0"/>
+                        <a:rPr lang="en-US" altLang="zh-CN" dirty="0" err="1"/>
                         <a:t>n+vi</a:t>
                       </a:r>
                       <a:r>
-                        <a:rPr lang="zh-CN" altLang="en-US" dirty="0" smtClean="0"/>
+                        <a:rPr lang="zh-CN" altLang="en-US" dirty="0"/>
                         <a:t>、</a:t>
                       </a:r>
                       <a:r>
-                        <a:rPr lang="en-US" altLang="zh-CN" dirty="0" err="1" smtClean="0"/>
+                        <a:rPr lang="en-US" altLang="zh-CN" dirty="0" err="1"/>
                         <a:t>a+vn</a:t>
                       </a:r>
                       <a:r>
-                        <a:rPr lang="zh-CN" altLang="en-US" dirty="0" smtClean="0"/>
+                        <a:rPr lang="zh-CN" altLang="en-US" dirty="0"/>
                         <a:t>、</a:t>
                       </a:r>
                       <a:r>
-                        <a:rPr lang="en-US" altLang="zh-CN" dirty="0" err="1" smtClean="0"/>
+                        <a:rPr lang="en-US" altLang="zh-CN" dirty="0" err="1"/>
                         <a:t>b+vn</a:t>
                       </a:r>
                       <a:r>
-                        <a:rPr lang="zh-CN" altLang="en-US" dirty="0" smtClean="0"/>
+                        <a:rPr lang="zh-CN" altLang="en-US" dirty="0"/>
                         <a:t>、</a:t>
                       </a:r>
                       <a:r>
-                        <a:rPr lang="en-US" altLang="zh-CN" dirty="0" err="1" smtClean="0"/>
+                        <a:rPr lang="en-US" altLang="zh-CN" dirty="0" err="1"/>
                         <a:t>n+ng</a:t>
                       </a:r>
                       <a:r>
-                        <a:rPr lang="zh-CN" altLang="en-US" dirty="0" smtClean="0"/>
+                        <a:rPr lang="zh-CN" altLang="en-US" dirty="0"/>
                         <a:t>、</a:t>
                       </a:r>
                       <a:r>
-                        <a:rPr lang="en-US" altLang="zh-CN" dirty="0" err="1" smtClean="0"/>
+                        <a:rPr lang="en-US" altLang="zh-CN" dirty="0" err="1"/>
                         <a:t>vn+ng</a:t>
                       </a:r>
                       <a:r>
-                        <a:rPr lang="zh-CN" altLang="en-US" dirty="0" smtClean="0"/>
+                        <a:rPr lang="zh-CN" altLang="en-US" dirty="0"/>
                         <a:t>、</a:t>
                       </a:r>
                       <a:r>
-                        <a:rPr lang="en-US" altLang="zh-CN" dirty="0" err="1" smtClean="0"/>
+                        <a:rPr lang="en-US" altLang="zh-CN" dirty="0" err="1"/>
                         <a:t>vn+vn</a:t>
                       </a:r>
                       <a:r>
-                        <a:rPr lang="zh-CN" altLang="en-US" dirty="0" smtClean="0"/>
+                        <a:rPr lang="zh-CN" altLang="en-US" dirty="0"/>
                         <a:t>、</a:t>
                       </a:r>
                       <a:r>
-                        <a:rPr lang="en-US" altLang="zh-CN" dirty="0" err="1" smtClean="0"/>
+                        <a:rPr lang="en-US" altLang="zh-CN" dirty="0" err="1"/>
                         <a:t>n+an</a:t>
                       </a:r>
                       <a:r>
-                        <a:rPr lang="zh-CN" altLang="en-US" dirty="0" smtClean="0"/>
+                        <a:rPr lang="zh-CN" altLang="en-US" dirty="0"/>
                         <a:t>、</a:t>
                       </a:r>
                       <a:r>
-                        <a:rPr lang="en-US" altLang="zh-CN" dirty="0" err="1" smtClean="0"/>
+                        <a:rPr lang="en-US" altLang="zh-CN" dirty="0" err="1"/>
                         <a:t>m+n</a:t>
                       </a:r>
                       <a:r>
-                        <a:rPr lang="zh-CN" altLang="en-US" dirty="0" smtClean="0"/>
+                        <a:rPr lang="zh-CN" altLang="en-US" dirty="0"/>
                         <a:t>、</a:t>
                       </a:r>
                       <a:r>
-                        <a:rPr lang="en-US" altLang="zh-CN" dirty="0" err="1" smtClean="0"/>
+                        <a:rPr lang="en-US" altLang="zh-CN" dirty="0" err="1"/>
                         <a:t>vi+v</a:t>
                       </a:r>
                       <a:r>
-                        <a:rPr lang="zh-CN" altLang="en-US" dirty="0" smtClean="0"/>
+                        <a:rPr lang="zh-CN" altLang="en-US" dirty="0"/>
                         <a:t>、</a:t>
                       </a:r>
                       <a:r>
-                        <a:rPr lang="en-US" altLang="zh-CN" dirty="0" err="1" smtClean="0"/>
+                        <a:rPr lang="en-US" altLang="zh-CN" dirty="0" err="1"/>
                         <a:t>v+vn</a:t>
                       </a:r>
                       <a:r>
-                        <a:rPr lang="zh-CN" altLang="en-US" dirty="0" smtClean="0"/>
+                        <a:rPr lang="zh-CN" altLang="en-US" dirty="0"/>
                         <a:t>、</a:t>
                       </a:r>
                       <a:r>
-                        <a:rPr lang="en-US" altLang="zh-CN" dirty="0" err="1" smtClean="0"/>
+                        <a:rPr lang="en-US" altLang="zh-CN" dirty="0" err="1"/>
                         <a:t>vi+n</a:t>
                       </a:r>
                       <a:r>
-                        <a:rPr lang="zh-CN" altLang="en-US" dirty="0" smtClean="0"/>
+                        <a:rPr lang="zh-CN" altLang="en-US" dirty="0"/>
                         <a:t>、</a:t>
                       </a:r>
                       <a:r>
-                        <a:rPr lang="en-US" altLang="zh-CN" dirty="0" err="1" smtClean="0"/>
+                        <a:rPr lang="en-US" altLang="zh-CN" dirty="0" err="1"/>
                         <a:t>a+v</a:t>
                       </a:r>
                       <a:r>
-                        <a:rPr lang="zh-CN" altLang="en-US" dirty="0" smtClean="0"/>
+                        <a:rPr lang="zh-CN" altLang="en-US" dirty="0"/>
                         <a:t>、</a:t>
                       </a:r>
                       <a:r>
-                        <a:rPr lang="en-US" altLang="zh-CN" dirty="0" err="1" smtClean="0"/>
+                        <a:rPr lang="en-US" altLang="zh-CN" dirty="0" err="1"/>
                         <a:t>v+ng</a:t>
                       </a:r>
                       <a:r>
-                        <a:rPr lang="zh-CN" altLang="en-US" dirty="0" smtClean="0"/>
+                        <a:rPr lang="zh-CN" altLang="en-US" dirty="0"/>
                         <a:t>之一</a:t>
                       </a:r>
-                      <a:endParaRPr lang="zh-CN" altLang="en-US" dirty="0"/>
                     </a:p>
                   </a:txBody>
                   <a:tcPr/>
                 </a:tc>
+                <a:extLst>
+                  <a:ext uri="{0D108BD9-81ED-4DB2-BD59-A6C34878D82A}">
+                    <a16:rowId xmlns:a16="http://schemas.microsoft.com/office/drawing/2014/main" val="10002"/>
+                  </a:ext>
+                </a:extLst>
               </a:tr>
               <a:tr h="370840">
                 <a:tc>
@@ -4306,10 +4330,9 @@
                     <a:p>
                       <a:pPr algn="ctr"/>
                       <a:r>
-                        <a:rPr lang="zh-CN" altLang="en-US" dirty="0" smtClean="0"/>
+                        <a:rPr lang="zh-CN" altLang="en-US" dirty="0"/>
                         <a:t>三元</a:t>
                       </a:r>
-                      <a:endParaRPr lang="zh-CN" altLang="en-US" dirty="0"/>
                     </a:p>
                   </a:txBody>
                   <a:tcPr anchor="ctr"/>
@@ -4320,70 +4343,74 @@
                     <a:lstStyle/>
                     <a:p>
                       <a:r>
-                        <a:rPr lang="zh-CN" altLang="en-US" smtClean="0"/>
+                        <a:rPr lang="zh-CN" altLang="en-US"/>
                         <a:t>三个词性中至少包含：</a:t>
                       </a:r>
                       <a:r>
-                        <a:rPr lang="en-US" altLang="zh-CN" smtClean="0"/>
+                        <a:rPr lang="en-US" altLang="zh-CN"/>
                         <a:t>n</a:t>
                       </a:r>
                       <a:r>
-                        <a:rPr lang="zh-CN" altLang="en-US" smtClean="0"/>
+                        <a:rPr lang="zh-CN" altLang="en-US"/>
                         <a:t>、</a:t>
                       </a:r>
                       <a:r>
-                        <a:rPr lang="en-US" altLang="zh-CN" smtClean="0"/>
+                        <a:rPr lang="en-US" altLang="zh-CN"/>
                         <a:t>v</a:t>
                       </a:r>
                       <a:r>
-                        <a:rPr lang="zh-CN" altLang="en-US" smtClean="0"/>
+                        <a:rPr lang="zh-CN" altLang="en-US"/>
                         <a:t>、</a:t>
                       </a:r>
                       <a:r>
-                        <a:rPr lang="en-US" altLang="zh-CN" smtClean="0"/>
+                        <a:rPr lang="en-US" altLang="zh-CN"/>
                         <a:t>vn</a:t>
                       </a:r>
                       <a:r>
-                        <a:rPr lang="zh-CN" altLang="en-US" smtClean="0"/>
+                        <a:rPr lang="zh-CN" altLang="en-US"/>
                         <a:t>、</a:t>
                       </a:r>
                       <a:r>
-                        <a:rPr lang="en-US" altLang="zh-CN" smtClean="0"/>
+                        <a:rPr lang="en-US" altLang="zh-CN"/>
                         <a:t>a</a:t>
                       </a:r>
                       <a:r>
-                        <a:rPr lang="zh-CN" altLang="en-US" smtClean="0"/>
+                        <a:rPr lang="zh-CN" altLang="en-US"/>
                         <a:t>、</a:t>
                       </a:r>
                       <a:r>
-                        <a:rPr lang="en-US" altLang="zh-CN" smtClean="0"/>
+                        <a:rPr lang="en-US" altLang="zh-CN"/>
                         <a:t>b</a:t>
                       </a:r>
                       <a:r>
-                        <a:rPr lang="zh-CN" altLang="en-US" smtClean="0"/>
+                        <a:rPr lang="zh-CN" altLang="en-US"/>
                         <a:t>、</a:t>
                       </a:r>
                       <a:r>
-                        <a:rPr lang="en-US" altLang="zh-CN" smtClean="0"/>
+                        <a:rPr lang="en-US" altLang="zh-CN"/>
                         <a:t>ng</a:t>
                       </a:r>
                       <a:r>
-                        <a:rPr lang="zh-CN" altLang="en-US" smtClean="0"/>
+                        <a:rPr lang="zh-CN" altLang="en-US"/>
                         <a:t>、</a:t>
                       </a:r>
                       <a:r>
-                        <a:rPr lang="en-US" altLang="zh-CN" smtClean="0"/>
+                        <a:rPr lang="en-US" altLang="zh-CN"/>
                         <a:t>d</a:t>
                       </a:r>
                       <a:r>
-                        <a:rPr lang="zh-CN" altLang="en-US" smtClean="0"/>
+                        <a:rPr lang="zh-CN" altLang="en-US"/>
                         <a:t>中的一个词性成分</a:t>
                       </a:r>
-                      <a:endParaRPr lang="zh-CN" altLang="en-US"/>
                     </a:p>
                   </a:txBody>
                   <a:tcPr/>
                 </a:tc>
+                <a:extLst>
+                  <a:ext uri="{0D108BD9-81ED-4DB2-BD59-A6C34878D82A}">
+                    <a16:rowId xmlns:a16="http://schemas.microsoft.com/office/drawing/2014/main" val="10003"/>
+                  </a:ext>
+                </a:extLst>
               </a:tr>
               <a:tr h="370840">
                 <a:tc rowSpan="3">
@@ -4393,10 +4420,9 @@
                     <a:p>
                       <a:pPr algn="ctr"/>
                       <a:r>
-                        <a:rPr lang="zh-CN" altLang="en-US" dirty="0" smtClean="0"/>
+                        <a:rPr lang="zh-CN" altLang="en-US" dirty="0"/>
                         <a:t>四元及以上</a:t>
                       </a:r>
-                      <a:endParaRPr lang="zh-CN" altLang="en-US" dirty="0"/>
                     </a:p>
                   </a:txBody>
                   <a:tcPr anchor="ctr"/>
@@ -4407,51 +4433,51 @@
                     <a:lstStyle/>
                     <a:p>
                       <a:r>
-                        <a:rPr lang="zh-CN" altLang="en-US" smtClean="0"/>
+                        <a:rPr lang="zh-CN" altLang="en-US"/>
                         <a:t>首词词性不为：</a:t>
                       </a:r>
                       <a:r>
-                        <a:rPr lang="en-US" altLang="zh-CN" baseline="0" smtClean="0"/>
+                        <a:rPr lang="en-US" altLang="zh-CN" baseline="0"/>
                         <a:t> </a:t>
                       </a:r>
                       <a:r>
-                        <a:rPr lang="zh-CN" altLang="en-US" baseline="0" smtClean="0"/>
+                        <a:rPr lang="zh-CN" altLang="en-US" baseline="0"/>
                         <a:t>介词</a:t>
                       </a:r>
                       <a:r>
-                        <a:rPr lang="en-US" altLang="zh-CN" baseline="0" smtClean="0"/>
+                        <a:rPr lang="en-US" altLang="zh-CN" baseline="0"/>
                         <a:t>p</a:t>
                       </a:r>
                       <a:r>
-                        <a:rPr lang="zh-CN" altLang="en-US" baseline="0" smtClean="0"/>
+                        <a:rPr lang="zh-CN" altLang="en-US" baseline="0"/>
                         <a:t>，量词</a:t>
                       </a:r>
                       <a:r>
-                        <a:rPr lang="en-US" altLang="zh-CN" baseline="0" smtClean="0"/>
+                        <a:rPr lang="en-US" altLang="zh-CN" baseline="0"/>
                         <a:t>q</a:t>
                       </a:r>
                       <a:r>
-                        <a:rPr lang="zh-CN" altLang="en-US" baseline="0" smtClean="0"/>
+                        <a:rPr lang="zh-CN" altLang="en-US" baseline="0"/>
                         <a:t>，连词</a:t>
                       </a:r>
                       <a:r>
-                        <a:rPr lang="en-US" altLang="zh-CN" baseline="0" smtClean="0"/>
+                        <a:rPr lang="en-US" altLang="zh-CN" baseline="0"/>
                         <a:t>c</a:t>
                       </a:r>
                       <a:r>
-                        <a:rPr lang="zh-CN" altLang="en-US" baseline="0" smtClean="0"/>
+                        <a:rPr lang="zh-CN" altLang="en-US" baseline="0"/>
                         <a:t>，助词</a:t>
                       </a:r>
                       <a:r>
-                        <a:rPr lang="en-US" altLang="zh-CN" baseline="0" smtClean="0"/>
+                        <a:rPr lang="en-US" altLang="zh-CN" baseline="0"/>
                         <a:t>u</a:t>
                       </a:r>
                       <a:r>
-                        <a:rPr lang="zh-CN" altLang="en-US" baseline="0" smtClean="0"/>
+                        <a:rPr lang="zh-CN" altLang="en-US" baseline="0"/>
                         <a:t>，后缀</a:t>
                       </a:r>
                       <a:r>
-                        <a:rPr lang="en-US" altLang="zh-CN" baseline="0" smtClean="0"/>
+                        <a:rPr lang="en-US" altLang="zh-CN" baseline="0"/>
                         <a:t>k</a:t>
                       </a:r>
                       <a:endParaRPr lang="zh-CN" altLang="en-US"/>
@@ -4459,6 +4485,11 @@
                   </a:txBody>
                   <a:tcPr/>
                 </a:tc>
+                <a:extLst>
+                  <a:ext uri="{0D108BD9-81ED-4DB2-BD59-A6C34878D82A}">
+                    <a16:rowId xmlns:a16="http://schemas.microsoft.com/office/drawing/2014/main" val="10004"/>
+                  </a:ext>
+                </a:extLst>
               </a:tr>
               <a:tr h="370840">
                 <a:tc vMerge="1">
@@ -4478,59 +4509,59 @@
                     <a:lstStyle/>
                     <a:p>
                       <a:r>
-                        <a:rPr lang="zh-CN" altLang="en-US" smtClean="0"/>
+                        <a:rPr lang="zh-CN" altLang="en-US"/>
                         <a:t>尾词词性应为：</a:t>
                       </a:r>
                       <a:r>
-                        <a:rPr lang="en-US" altLang="zh-CN" smtClean="0"/>
+                        <a:rPr lang="en-US" altLang="zh-CN"/>
                         <a:t>n</a:t>
                       </a:r>
                       <a:r>
-                        <a:rPr lang="zh-CN" altLang="en-US" smtClean="0"/>
+                        <a:rPr lang="zh-CN" altLang="en-US"/>
                         <a:t>、</a:t>
                       </a:r>
                       <a:r>
-                        <a:rPr lang="en-US" altLang="zh-CN" smtClean="0"/>
+                        <a:rPr lang="en-US" altLang="zh-CN"/>
                         <a:t>v</a:t>
                       </a:r>
                       <a:r>
-                        <a:rPr lang="zh-CN" altLang="en-US" smtClean="0"/>
+                        <a:rPr lang="zh-CN" altLang="en-US"/>
                         <a:t>、</a:t>
                       </a:r>
                       <a:r>
-                        <a:rPr lang="en-US" altLang="zh-CN" smtClean="0"/>
+                        <a:rPr lang="en-US" altLang="zh-CN"/>
                         <a:t>vn</a:t>
                       </a:r>
                       <a:r>
-                        <a:rPr lang="zh-CN" altLang="en-US" smtClean="0"/>
+                        <a:rPr lang="zh-CN" altLang="en-US"/>
                         <a:t>、</a:t>
                       </a:r>
                       <a:r>
-                        <a:rPr lang="en-US" altLang="zh-CN" smtClean="0"/>
+                        <a:rPr lang="en-US" altLang="zh-CN"/>
                         <a:t>ng</a:t>
                       </a:r>
                       <a:r>
-                        <a:rPr lang="zh-CN" altLang="en-US" smtClean="0"/>
+                        <a:rPr lang="zh-CN" altLang="en-US"/>
                         <a:t>、</a:t>
                       </a:r>
                       <a:r>
-                        <a:rPr lang="en-US" altLang="zh-CN" smtClean="0"/>
+                        <a:rPr lang="en-US" altLang="zh-CN"/>
                         <a:t>vi</a:t>
                       </a:r>
                       <a:r>
-                        <a:rPr lang="zh-CN" altLang="en-US" smtClean="0"/>
+                        <a:rPr lang="zh-CN" altLang="en-US"/>
                         <a:t>、</a:t>
                       </a:r>
                       <a:r>
-                        <a:rPr lang="en-US" altLang="zh-CN" smtClean="0"/>
+                        <a:rPr lang="en-US" altLang="zh-CN"/>
                         <a:t>qv</a:t>
                       </a:r>
                       <a:r>
-                        <a:rPr lang="zh-CN" altLang="en-US" smtClean="0"/>
+                        <a:rPr lang="zh-CN" altLang="en-US"/>
                         <a:t>、</a:t>
                       </a:r>
                       <a:r>
-                        <a:rPr lang="en-US" altLang="zh-CN" smtClean="0"/>
+                        <a:rPr lang="en-US" altLang="zh-CN"/>
                         <a:t>vg</a:t>
                       </a:r>
                       <a:endParaRPr lang="zh-CN" altLang="en-US"/>
@@ -4538,6 +4569,11 @@
                   </a:txBody>
                   <a:tcPr/>
                 </a:tc>
+                <a:extLst>
+                  <a:ext uri="{0D108BD9-81ED-4DB2-BD59-A6C34878D82A}">
+                    <a16:rowId xmlns:a16="http://schemas.microsoft.com/office/drawing/2014/main" val="10005"/>
+                  </a:ext>
+                </a:extLst>
               </a:tr>
               <a:tr h="370840">
                 <a:tc vMerge="1">
@@ -4557,135 +4593,135 @@
                     <a:lstStyle/>
                     <a:p>
                       <a:r>
-                        <a:rPr lang="zh-CN" altLang="en-US" smtClean="0"/>
+                        <a:rPr lang="zh-CN" altLang="en-US"/>
                         <a:t>中间词词性不应为：代词</a:t>
                       </a:r>
                       <a:r>
-                        <a:rPr lang="en-US" altLang="zh-CN" smtClean="0"/>
+                        <a:rPr lang="en-US" altLang="zh-CN"/>
                         <a:t>r</a:t>
                       </a:r>
                       <a:r>
-                        <a:rPr lang="zh-CN" altLang="en-US" smtClean="0"/>
+                        <a:rPr lang="zh-CN" altLang="en-US"/>
                         <a:t>（人称代词</a:t>
                       </a:r>
                       <a:r>
-                        <a:rPr lang="en-US" altLang="zh-CN" smtClean="0"/>
+                        <a:rPr lang="en-US" altLang="zh-CN"/>
                         <a:t>rr,</a:t>
                       </a:r>
                       <a:r>
-                        <a:rPr lang="zh-CN" altLang="en-US" smtClean="0"/>
+                        <a:rPr lang="zh-CN" altLang="en-US"/>
                         <a:t>指示代词</a:t>
                       </a:r>
                       <a:r>
-                        <a:rPr lang="en-US" altLang="zh-CN" smtClean="0"/>
+                        <a:rPr lang="en-US" altLang="zh-CN"/>
                         <a:t>rz,</a:t>
                       </a:r>
                       <a:r>
-                        <a:rPr lang="zh-CN" altLang="en-US" smtClean="0"/>
+                        <a:rPr lang="zh-CN" altLang="en-US"/>
                         <a:t>疑问代词</a:t>
                       </a:r>
                       <a:r>
-                        <a:rPr lang="en-US" altLang="zh-CN" smtClean="0"/>
+                        <a:rPr lang="en-US" altLang="zh-CN"/>
                         <a:t>ry,</a:t>
                       </a:r>
                       <a:r>
-                        <a:rPr lang="zh-CN" altLang="en-US" smtClean="0"/>
+                        <a:rPr lang="zh-CN" altLang="en-US"/>
                         <a:t>代词性语素</a:t>
                       </a:r>
                       <a:r>
-                        <a:rPr lang="en-US" altLang="zh-CN" smtClean="0"/>
+                        <a:rPr lang="en-US" altLang="zh-CN"/>
                         <a:t>rg</a:t>
                       </a:r>
                       <a:r>
-                        <a:rPr lang="zh-CN" altLang="en-US" smtClean="0"/>
+                        <a:rPr lang="zh-CN" altLang="en-US"/>
                         <a:t>）、语气词</a:t>
                       </a:r>
                       <a:r>
-                        <a:rPr lang="en-US" altLang="zh-CN" smtClean="0"/>
+                        <a:rPr lang="en-US" altLang="zh-CN"/>
                         <a:t>y</a:t>
                       </a:r>
                       <a:r>
-                        <a:rPr lang="zh-CN" altLang="en-US" smtClean="0"/>
+                        <a:rPr lang="zh-CN" altLang="en-US"/>
                         <a:t>、助词</a:t>
                       </a:r>
                       <a:r>
-                        <a:rPr lang="en-US" altLang="zh-CN" smtClean="0"/>
+                        <a:rPr lang="en-US" altLang="zh-CN"/>
                         <a:t>u</a:t>
                       </a:r>
                       <a:r>
-                        <a:rPr lang="zh-CN" altLang="en-US" smtClean="0"/>
+                        <a:rPr lang="zh-CN" altLang="en-US"/>
                         <a:t>（除了的）、叹词</a:t>
                       </a:r>
                       <a:r>
-                        <a:rPr lang="en-US" altLang="zh-CN" smtClean="0"/>
+                        <a:rPr lang="en-US" altLang="zh-CN"/>
                         <a:t>e</a:t>
                       </a:r>
                       <a:r>
-                        <a:rPr lang="zh-CN" altLang="en-US" smtClean="0"/>
+                        <a:rPr lang="zh-CN" altLang="en-US"/>
                         <a:t>、拟声词</a:t>
                       </a:r>
                       <a:r>
-                        <a:rPr lang="en-US" altLang="zh-CN" smtClean="0"/>
+                        <a:rPr lang="en-US" altLang="zh-CN"/>
                         <a:t>o</a:t>
                       </a:r>
                       <a:r>
-                        <a:rPr lang="zh-CN" altLang="en-US" smtClean="0"/>
+                        <a:rPr lang="zh-CN" altLang="en-US"/>
                         <a:t>、处所词</a:t>
                       </a:r>
                       <a:r>
-                        <a:rPr lang="en-US" altLang="zh-CN" smtClean="0"/>
+                        <a:rPr lang="en-US" altLang="zh-CN"/>
                         <a:t>s</a:t>
                       </a:r>
                       <a:r>
-                        <a:rPr lang="zh-CN" altLang="en-US" smtClean="0"/>
+                        <a:rPr lang="zh-CN" altLang="en-US"/>
                         <a:t>、状态词</a:t>
                       </a:r>
                       <a:r>
-                        <a:rPr lang="en-US" altLang="zh-CN" smtClean="0"/>
+                        <a:rPr lang="en-US" altLang="zh-CN"/>
                         <a:t>z</a:t>
                       </a:r>
                       <a:r>
-                        <a:rPr lang="zh-CN" altLang="en-US" smtClean="0"/>
+                        <a:rPr lang="zh-CN" altLang="en-US"/>
                         <a:t>、方位词</a:t>
                       </a:r>
                       <a:r>
-                        <a:rPr lang="en-US" altLang="zh-CN" smtClean="0"/>
+                        <a:rPr lang="en-US" altLang="zh-CN"/>
                         <a:t>f</a:t>
                       </a:r>
                       <a:r>
-                        <a:rPr lang="zh-CN" altLang="en-US" smtClean="0"/>
+                        <a:rPr lang="zh-CN" altLang="en-US"/>
                         <a:t>、字符串（非语素字</a:t>
                       </a:r>
                       <a:r>
-                        <a:rPr lang="en-US" altLang="zh-CN" smtClean="0"/>
+                        <a:rPr lang="en-US" altLang="zh-CN"/>
                         <a:t>xx</a:t>
                       </a:r>
                       <a:r>
-                        <a:rPr lang="zh-CN" altLang="en-US" smtClean="0"/>
+                        <a:rPr lang="zh-CN" altLang="en-US"/>
                         <a:t>、网址</a:t>
                       </a:r>
                       <a:r>
-                        <a:rPr lang="en-US" altLang="zh-CN" smtClean="0"/>
+                        <a:rPr lang="en-US" altLang="zh-CN"/>
                         <a:t>xu</a:t>
                       </a:r>
                       <a:r>
-                        <a:rPr lang="zh-CN" altLang="en-US" smtClean="0"/>
+                        <a:rPr lang="zh-CN" altLang="en-US"/>
                         <a:t>）、时间词</a:t>
                       </a:r>
                       <a:r>
-                        <a:rPr lang="en-US" altLang="zh-CN" smtClean="0"/>
+                        <a:rPr lang="en-US" altLang="zh-CN"/>
                         <a:t>t</a:t>
                       </a:r>
                       <a:r>
-                        <a:rPr lang="zh-CN" altLang="en-US" smtClean="0"/>
+                        <a:rPr lang="zh-CN" altLang="en-US"/>
                         <a:t>（时间词性语素</a:t>
                       </a:r>
                       <a:r>
-                        <a:rPr lang="en-US" altLang="zh-CN" smtClean="0"/>
+                        <a:rPr lang="en-US" altLang="zh-CN"/>
                         <a:t>tg</a:t>
                       </a:r>
                       <a:r>
-                        <a:rPr lang="zh-CN" altLang="en-US" smtClean="0"/>
+                        <a:rPr lang="zh-CN" altLang="en-US"/>
                         <a:t>）</a:t>
                       </a:r>
                       <a:endParaRPr lang="zh-CN" altLang="en-US" dirty="0"/>
@@ -4693,6 +4729,11 @@
                   </a:txBody>
                   <a:tcPr/>
                 </a:tc>
+                <a:extLst>
+                  <a:ext uri="{0D108BD9-81ED-4DB2-BD59-A6C34878D82A}">
+                    <a16:rowId xmlns:a16="http://schemas.microsoft.com/office/drawing/2014/main" val="10006"/>
+                  </a:ext>
+                </a:extLst>
               </a:tr>
             </a:tbl>
           </a:graphicData>

--- a/doc/信息抽取.pptx
+++ b/doc/信息抽取.pptx
@@ -8,6 +8,8 @@
     <p:sldId id="256" r:id="rId2"/>
     <p:sldId id="257" r:id="rId3"/>
     <p:sldId id="258" r:id="rId4"/>
+    <p:sldId id="260" r:id="rId5"/>
+    <p:sldId id="259" r:id="rId6"/>
   </p:sldIdLst>
   <p:sldSz cx="12192000" cy="6858000"/>
   <p:notesSz cx="6858000" cy="9144000"/>
@@ -243,7 +245,7 @@
           <a:p>
             <a:fld id="{F73D3321-EA3B-6046-878D-76B8704F87F0}" type="datetimeFigureOut">
               <a:rPr kumimoji="1" lang="zh-CN" altLang="en-US" smtClean="0"/>
-              <a:t>2020/1/7</a:t>
+              <a:t>2020/1/8</a:t>
             </a:fld>
             <a:endParaRPr kumimoji="1" lang="zh-CN" altLang="en-US"/>
           </a:p>
@@ -411,7 +413,7 @@
           <a:p>
             <a:fld id="{F73D3321-EA3B-6046-878D-76B8704F87F0}" type="datetimeFigureOut">
               <a:rPr kumimoji="1" lang="zh-CN" altLang="en-US" smtClean="0"/>
-              <a:t>2020/1/7</a:t>
+              <a:t>2020/1/8</a:t>
             </a:fld>
             <a:endParaRPr kumimoji="1" lang="zh-CN" altLang="en-US"/>
           </a:p>
@@ -589,7 +591,7 @@
           <a:p>
             <a:fld id="{F73D3321-EA3B-6046-878D-76B8704F87F0}" type="datetimeFigureOut">
               <a:rPr kumimoji="1" lang="zh-CN" altLang="en-US" smtClean="0"/>
-              <a:t>2020/1/7</a:t>
+              <a:t>2020/1/8</a:t>
             </a:fld>
             <a:endParaRPr kumimoji="1" lang="zh-CN" altLang="en-US"/>
           </a:p>
@@ -757,7 +759,7 @@
           <a:p>
             <a:fld id="{F73D3321-EA3B-6046-878D-76B8704F87F0}" type="datetimeFigureOut">
               <a:rPr kumimoji="1" lang="zh-CN" altLang="en-US" smtClean="0"/>
-              <a:t>2020/1/7</a:t>
+              <a:t>2020/1/8</a:t>
             </a:fld>
             <a:endParaRPr kumimoji="1" lang="zh-CN" altLang="en-US"/>
           </a:p>
@@ -1002,7 +1004,7 @@
           <a:p>
             <a:fld id="{F73D3321-EA3B-6046-878D-76B8704F87F0}" type="datetimeFigureOut">
               <a:rPr kumimoji="1" lang="zh-CN" altLang="en-US" smtClean="0"/>
-              <a:t>2020/1/7</a:t>
+              <a:t>2020/1/8</a:t>
             </a:fld>
             <a:endParaRPr kumimoji="1" lang="zh-CN" altLang="en-US"/>
           </a:p>
@@ -1231,7 +1233,7 @@
           <a:p>
             <a:fld id="{F73D3321-EA3B-6046-878D-76B8704F87F0}" type="datetimeFigureOut">
               <a:rPr kumimoji="1" lang="zh-CN" altLang="en-US" smtClean="0"/>
-              <a:t>2020/1/7</a:t>
+              <a:t>2020/1/8</a:t>
             </a:fld>
             <a:endParaRPr kumimoji="1" lang="zh-CN" altLang="en-US"/>
           </a:p>
@@ -1595,7 +1597,7 @@
           <a:p>
             <a:fld id="{F73D3321-EA3B-6046-878D-76B8704F87F0}" type="datetimeFigureOut">
               <a:rPr kumimoji="1" lang="zh-CN" altLang="en-US" smtClean="0"/>
-              <a:t>2020/1/7</a:t>
+              <a:t>2020/1/8</a:t>
             </a:fld>
             <a:endParaRPr kumimoji="1" lang="zh-CN" altLang="en-US"/>
           </a:p>
@@ -1712,7 +1714,7 @@
           <a:p>
             <a:fld id="{F73D3321-EA3B-6046-878D-76B8704F87F0}" type="datetimeFigureOut">
               <a:rPr kumimoji="1" lang="zh-CN" altLang="en-US" smtClean="0"/>
-              <a:t>2020/1/7</a:t>
+              <a:t>2020/1/8</a:t>
             </a:fld>
             <a:endParaRPr kumimoji="1" lang="zh-CN" altLang="en-US"/>
           </a:p>
@@ -1807,7 +1809,7 @@
           <a:p>
             <a:fld id="{F73D3321-EA3B-6046-878D-76B8704F87F0}" type="datetimeFigureOut">
               <a:rPr kumimoji="1" lang="zh-CN" altLang="en-US" smtClean="0"/>
-              <a:t>2020/1/7</a:t>
+              <a:t>2020/1/8</a:t>
             </a:fld>
             <a:endParaRPr kumimoji="1" lang="zh-CN" altLang="en-US"/>
           </a:p>
@@ -2082,7 +2084,7 @@
           <a:p>
             <a:fld id="{F73D3321-EA3B-6046-878D-76B8704F87F0}" type="datetimeFigureOut">
               <a:rPr kumimoji="1" lang="zh-CN" altLang="en-US" smtClean="0"/>
-              <a:t>2020/1/7</a:t>
+              <a:t>2020/1/8</a:t>
             </a:fld>
             <a:endParaRPr kumimoji="1" lang="zh-CN" altLang="en-US"/>
           </a:p>
@@ -2334,7 +2336,7 @@
           <a:p>
             <a:fld id="{F73D3321-EA3B-6046-878D-76B8704F87F0}" type="datetimeFigureOut">
               <a:rPr kumimoji="1" lang="zh-CN" altLang="en-US" smtClean="0"/>
-              <a:t>2020/1/7</a:t>
+              <a:t>2020/1/8</a:t>
             </a:fld>
             <a:endParaRPr kumimoji="1" lang="zh-CN" altLang="en-US"/>
           </a:p>
@@ -2545,7 +2547,7 @@
           <a:p>
             <a:fld id="{F73D3321-EA3B-6046-878D-76B8704F87F0}" type="datetimeFigureOut">
               <a:rPr kumimoji="1" lang="zh-CN" altLang="en-US" smtClean="0"/>
-              <a:t>2020/1/7</a:t>
+              <a:t>2020/1/8</a:t>
             </a:fld>
             <a:endParaRPr kumimoji="1" lang="zh-CN" altLang="en-US"/>
           </a:p>
@@ -4752,6 +4754,622 @@
 </p:sld>
 </file>
 
+<file path=ppt/slides/slide4.xml><?xml version="1.0" encoding="utf-8"?>
+<p:sld xmlns:a="http://schemas.openxmlformats.org/drawingml/2006/main" xmlns:r="http://schemas.openxmlformats.org/officeDocument/2006/relationships" xmlns:p="http://schemas.openxmlformats.org/presentationml/2006/main">
+  <p:cSld>
+    <p:spTree>
+      <p:nvGrpSpPr>
+        <p:cNvPr id="1" name=""/>
+        <p:cNvGrpSpPr/>
+        <p:nvPr/>
+      </p:nvGrpSpPr>
+      <p:grpSpPr>
+        <a:xfrm>
+          <a:off x="0" y="0"/>
+          <a:ext cx="0" cy="0"/>
+          <a:chOff x="0" y="0"/>
+          <a:chExt cx="0" cy="0"/>
+        </a:xfrm>
+      </p:grpSpPr>
+      <p:sp>
+        <p:nvSpPr>
+          <p:cNvPr id="2" name="标题 1">
+            <a:extLst>
+              <a:ext uri="{FF2B5EF4-FFF2-40B4-BE49-F238E27FC236}">
+                <a16:creationId xmlns:a16="http://schemas.microsoft.com/office/drawing/2014/main" id="{5AD6E2F5-B106-4584-AA08-2DA42764664E}"/>
+              </a:ext>
+            </a:extLst>
+          </p:cNvPr>
+          <p:cNvSpPr>
+            <a:spLocks noGrp="1"/>
+          </p:cNvSpPr>
+          <p:nvPr>
+            <p:ph type="title"/>
+          </p:nvPr>
+        </p:nvSpPr>
+        <p:spPr>
+          <a:xfrm>
+            <a:off x="838200" y="365125"/>
+            <a:ext cx="10515600" cy="1325563"/>
+          </a:xfrm>
+        </p:spPr>
+        <p:txBody>
+          <a:bodyPr/>
+          <a:lstStyle/>
+          <a:p>
+            <a:r>
+              <a:rPr lang="zh-CN" altLang="en-US"/>
+              <a:t>专业词抽取流程</a:t>
+            </a:r>
+          </a:p>
+        </p:txBody>
+      </p:sp>
+      <p:sp>
+        <p:nvSpPr>
+          <p:cNvPr id="3" name="矩形 2">
+            <a:extLst>
+              <a:ext uri="{FF2B5EF4-FFF2-40B4-BE49-F238E27FC236}">
+                <a16:creationId xmlns:a16="http://schemas.microsoft.com/office/drawing/2014/main" id="{39BD0F10-8E57-4FB6-B22F-DE35F84BF493}"/>
+              </a:ext>
+            </a:extLst>
+          </p:cNvPr>
+          <p:cNvSpPr/>
+          <p:nvPr/>
+        </p:nvSpPr>
+        <p:spPr>
+          <a:xfrm>
+            <a:off x="981595" y="2030818"/>
+            <a:ext cx="1477926" cy="552893"/>
+          </a:xfrm>
+          <a:prstGeom prst="rect">
+            <a:avLst/>
+          </a:prstGeom>
+        </p:spPr>
+        <p:style>
+          <a:lnRef idx="2">
+            <a:schemeClr val="dk1"/>
+          </a:lnRef>
+          <a:fillRef idx="1">
+            <a:schemeClr val="lt1"/>
+          </a:fillRef>
+          <a:effectRef idx="0">
+            <a:schemeClr val="dk1"/>
+          </a:effectRef>
+          <a:fontRef idx="minor">
+            <a:schemeClr val="dk1"/>
+          </a:fontRef>
+        </p:style>
+        <p:txBody>
+          <a:bodyPr rtlCol="0" anchor="ctr"/>
+          <a:lstStyle/>
+          <a:p>
+            <a:pPr algn="ctr"/>
+            <a:r>
+              <a:rPr kumimoji="1" lang="zh-CN" altLang="en-US"/>
+              <a:t>领域文本集</a:t>
+            </a:r>
+          </a:p>
+        </p:txBody>
+      </p:sp>
+      <p:sp>
+        <p:nvSpPr>
+          <p:cNvPr id="4" name="矩形 3">
+            <a:extLst>
+              <a:ext uri="{FF2B5EF4-FFF2-40B4-BE49-F238E27FC236}">
+                <a16:creationId xmlns:a16="http://schemas.microsoft.com/office/drawing/2014/main" id="{B5C05C6E-E3FE-49FA-B762-6C2B592CFDFA}"/>
+              </a:ext>
+            </a:extLst>
+          </p:cNvPr>
+          <p:cNvSpPr/>
+          <p:nvPr/>
+        </p:nvSpPr>
+        <p:spPr>
+          <a:xfrm>
+            <a:off x="3473156" y="2030818"/>
+            <a:ext cx="1477926" cy="552893"/>
+          </a:xfrm>
+          <a:prstGeom prst="rect">
+            <a:avLst/>
+          </a:prstGeom>
+        </p:spPr>
+        <p:style>
+          <a:lnRef idx="2">
+            <a:schemeClr val="dk1"/>
+          </a:lnRef>
+          <a:fillRef idx="1">
+            <a:schemeClr val="lt1"/>
+          </a:fillRef>
+          <a:effectRef idx="0">
+            <a:schemeClr val="dk1"/>
+          </a:effectRef>
+          <a:fontRef idx="minor">
+            <a:schemeClr val="dk1"/>
+          </a:fontRef>
+        </p:style>
+        <p:txBody>
+          <a:bodyPr rtlCol="0" anchor="ctr"/>
+          <a:lstStyle/>
+          <a:p>
+            <a:pPr algn="ctr"/>
+            <a:r>
+              <a:rPr kumimoji="1" lang="zh-CN" altLang="en-US"/>
+              <a:t>候选词生成</a:t>
+            </a:r>
+            <a:endParaRPr kumimoji="1" lang="zh-CN" altLang="en-US" dirty="0"/>
+          </a:p>
+        </p:txBody>
+      </p:sp>
+      <p:sp>
+        <p:nvSpPr>
+          <p:cNvPr id="7" name="矩形 6">
+            <a:extLst>
+              <a:ext uri="{FF2B5EF4-FFF2-40B4-BE49-F238E27FC236}">
+                <a16:creationId xmlns:a16="http://schemas.microsoft.com/office/drawing/2014/main" id="{46A62E46-1826-46BB-9EFF-7B208FF3F715}"/>
+              </a:ext>
+            </a:extLst>
+          </p:cNvPr>
+          <p:cNvSpPr/>
+          <p:nvPr/>
+        </p:nvSpPr>
+        <p:spPr>
+          <a:xfrm>
+            <a:off x="5964717" y="2030818"/>
+            <a:ext cx="1816918" cy="552893"/>
+          </a:xfrm>
+          <a:prstGeom prst="rect">
+            <a:avLst/>
+          </a:prstGeom>
+        </p:spPr>
+        <p:style>
+          <a:lnRef idx="2">
+            <a:schemeClr val="dk1"/>
+          </a:lnRef>
+          <a:fillRef idx="1">
+            <a:schemeClr val="lt1"/>
+          </a:fillRef>
+          <a:effectRef idx="0">
+            <a:schemeClr val="dk1"/>
+          </a:effectRef>
+          <a:fontRef idx="minor">
+            <a:schemeClr val="dk1"/>
+          </a:fontRef>
+        </p:style>
+        <p:txBody>
+          <a:bodyPr rtlCol="0" anchor="ctr"/>
+          <a:lstStyle/>
+          <a:p>
+            <a:pPr algn="ctr"/>
+            <a:r>
+              <a:rPr kumimoji="1" lang="zh-CN" altLang="en-US"/>
+              <a:t>抽取候选专业词</a:t>
+            </a:r>
+            <a:endParaRPr kumimoji="1" lang="zh-CN" altLang="en-US" dirty="0"/>
+          </a:p>
+        </p:txBody>
+      </p:sp>
+      <p:sp>
+        <p:nvSpPr>
+          <p:cNvPr id="8" name="文本框 7">
+            <a:extLst>
+              <a:ext uri="{FF2B5EF4-FFF2-40B4-BE49-F238E27FC236}">
+                <a16:creationId xmlns:a16="http://schemas.microsoft.com/office/drawing/2014/main" id="{674E87B7-0178-42D7-88AE-69A82DC2D3E5}"/>
+              </a:ext>
+            </a:extLst>
+          </p:cNvPr>
+          <p:cNvSpPr txBox="1"/>
+          <p:nvPr/>
+        </p:nvSpPr>
+        <p:spPr>
+          <a:xfrm>
+            <a:off x="6067339" y="2739542"/>
+            <a:ext cx="1617921" cy="369332"/>
+          </a:xfrm>
+          <a:prstGeom prst="rect">
+            <a:avLst/>
+          </a:prstGeom>
+          <a:noFill/>
+        </p:spPr>
+        <p:txBody>
+          <a:bodyPr wrap="square" rtlCol="0">
+            <a:spAutoFit/>
+          </a:bodyPr>
+          <a:lstStyle/>
+          <a:p>
+            <a:r>
+              <a:rPr kumimoji="1" lang="zh-CN" altLang="en-US" dirty="0"/>
+              <a:t>左右</a:t>
+            </a:r>
+            <a:r>
+              <a:rPr kumimoji="1" lang="zh-CN" altLang="en-US"/>
+              <a:t>信息熵法</a:t>
+            </a:r>
+            <a:endParaRPr kumimoji="1" lang="zh-CN" altLang="en-US" dirty="0"/>
+          </a:p>
+        </p:txBody>
+      </p:sp>
+      <p:sp>
+        <p:nvSpPr>
+          <p:cNvPr id="9" name="矩形 8">
+            <a:extLst>
+              <a:ext uri="{FF2B5EF4-FFF2-40B4-BE49-F238E27FC236}">
+                <a16:creationId xmlns:a16="http://schemas.microsoft.com/office/drawing/2014/main" id="{896F933F-596E-49FC-8F34-065344F8F8EC}"/>
+              </a:ext>
+            </a:extLst>
+          </p:cNvPr>
+          <p:cNvSpPr/>
+          <p:nvPr/>
+        </p:nvSpPr>
+        <p:spPr>
+          <a:xfrm>
+            <a:off x="8795270" y="2030817"/>
+            <a:ext cx="1151861" cy="552893"/>
+          </a:xfrm>
+          <a:prstGeom prst="rect">
+            <a:avLst/>
+          </a:prstGeom>
+        </p:spPr>
+        <p:style>
+          <a:lnRef idx="2">
+            <a:schemeClr val="dk1"/>
+          </a:lnRef>
+          <a:fillRef idx="1">
+            <a:schemeClr val="lt1"/>
+          </a:fillRef>
+          <a:effectRef idx="0">
+            <a:schemeClr val="dk1"/>
+          </a:effectRef>
+          <a:fontRef idx="minor">
+            <a:schemeClr val="dk1"/>
+          </a:fontRef>
+        </p:style>
+        <p:txBody>
+          <a:bodyPr rtlCol="0" anchor="ctr"/>
+          <a:lstStyle/>
+          <a:p>
+            <a:pPr algn="ctr"/>
+            <a:r>
+              <a:rPr kumimoji="1" lang="zh-CN" altLang="en-US"/>
+              <a:t>按候选词频次排序</a:t>
+            </a:r>
+            <a:endParaRPr kumimoji="1" lang="zh-CN" altLang="en-US" dirty="0"/>
+          </a:p>
+        </p:txBody>
+      </p:sp>
+      <p:cxnSp>
+        <p:nvCxnSpPr>
+          <p:cNvPr id="13" name="直线箭头连接符 14">
+            <a:extLst>
+              <a:ext uri="{FF2B5EF4-FFF2-40B4-BE49-F238E27FC236}">
+                <a16:creationId xmlns:a16="http://schemas.microsoft.com/office/drawing/2014/main" id="{1E1521AC-BF21-4F12-B7B2-19F74063772F}"/>
+              </a:ext>
+            </a:extLst>
+          </p:cNvPr>
+          <p:cNvCxnSpPr>
+            <a:cxnSpLocks/>
+            <a:stCxn id="3" idx="3"/>
+            <a:endCxn id="4" idx="1"/>
+          </p:cNvCxnSpPr>
+          <p:nvPr/>
+        </p:nvCxnSpPr>
+        <p:spPr>
+          <a:xfrm>
+            <a:off x="2459521" y="2307265"/>
+            <a:ext cx="1013635" cy="0"/>
+          </a:xfrm>
+          <a:prstGeom prst="straightConnector1">
+            <a:avLst/>
+          </a:prstGeom>
+          <a:ln>
+            <a:tailEnd type="triangle"/>
+          </a:ln>
+        </p:spPr>
+        <p:style>
+          <a:lnRef idx="3">
+            <a:schemeClr val="dk1"/>
+          </a:lnRef>
+          <a:fillRef idx="0">
+            <a:schemeClr val="dk1"/>
+          </a:fillRef>
+          <a:effectRef idx="2">
+            <a:schemeClr val="dk1"/>
+          </a:effectRef>
+          <a:fontRef idx="minor">
+            <a:schemeClr val="tx1"/>
+          </a:fontRef>
+        </p:style>
+      </p:cxnSp>
+      <p:cxnSp>
+        <p:nvCxnSpPr>
+          <p:cNvPr id="14" name="直线箭头连接符 15">
+            <a:extLst>
+              <a:ext uri="{FF2B5EF4-FFF2-40B4-BE49-F238E27FC236}">
+                <a16:creationId xmlns:a16="http://schemas.microsoft.com/office/drawing/2014/main" id="{896E9466-BA7E-40EB-AA67-A584F93D3303}"/>
+              </a:ext>
+            </a:extLst>
+          </p:cNvPr>
+          <p:cNvCxnSpPr>
+            <a:cxnSpLocks/>
+            <a:stCxn id="4" idx="3"/>
+            <a:endCxn id="7" idx="1"/>
+          </p:cNvCxnSpPr>
+          <p:nvPr/>
+        </p:nvCxnSpPr>
+        <p:spPr>
+          <a:xfrm>
+            <a:off x="4951082" y="2307265"/>
+            <a:ext cx="1013635" cy="0"/>
+          </a:xfrm>
+          <a:prstGeom prst="straightConnector1">
+            <a:avLst/>
+          </a:prstGeom>
+          <a:ln>
+            <a:tailEnd type="triangle"/>
+          </a:ln>
+        </p:spPr>
+        <p:style>
+          <a:lnRef idx="3">
+            <a:schemeClr val="dk1"/>
+          </a:lnRef>
+          <a:fillRef idx="0">
+            <a:schemeClr val="dk1"/>
+          </a:fillRef>
+          <a:effectRef idx="2">
+            <a:schemeClr val="dk1"/>
+          </a:effectRef>
+          <a:fontRef idx="minor">
+            <a:schemeClr val="tx1"/>
+          </a:fontRef>
+        </p:style>
+      </p:cxnSp>
+      <p:sp>
+        <p:nvSpPr>
+          <p:cNvPr id="25" name="文本框 24">
+            <a:extLst>
+              <a:ext uri="{FF2B5EF4-FFF2-40B4-BE49-F238E27FC236}">
+                <a16:creationId xmlns:a16="http://schemas.microsoft.com/office/drawing/2014/main" id="{8CD36C91-2755-4688-9309-90067522FFA3}"/>
+              </a:ext>
+            </a:extLst>
+          </p:cNvPr>
+          <p:cNvSpPr txBox="1"/>
+          <p:nvPr/>
+        </p:nvSpPr>
+        <p:spPr>
+          <a:xfrm>
+            <a:off x="3746945" y="2723711"/>
+            <a:ext cx="930348" cy="369332"/>
+          </a:xfrm>
+          <a:prstGeom prst="rect">
+            <a:avLst/>
+          </a:prstGeom>
+          <a:noFill/>
+        </p:spPr>
+        <p:txBody>
+          <a:bodyPr wrap="square" rtlCol="0">
+            <a:spAutoFit/>
+          </a:bodyPr>
+          <a:lstStyle/>
+          <a:p>
+            <a:r>
+              <a:rPr kumimoji="1" lang="zh-CN" altLang="en-US"/>
+              <a:t>扫两遍</a:t>
+            </a:r>
+          </a:p>
+        </p:txBody>
+      </p:sp>
+      <p:sp>
+        <p:nvSpPr>
+          <p:cNvPr id="26" name="文本框 25">
+            <a:extLst>
+              <a:ext uri="{FF2B5EF4-FFF2-40B4-BE49-F238E27FC236}">
+                <a16:creationId xmlns:a16="http://schemas.microsoft.com/office/drawing/2014/main" id="{4A95804F-2384-4201-A79B-56A43D406C5F}"/>
+              </a:ext>
+            </a:extLst>
+          </p:cNvPr>
+          <p:cNvSpPr txBox="1"/>
+          <p:nvPr/>
+        </p:nvSpPr>
+        <p:spPr>
+          <a:xfrm>
+            <a:off x="6284162" y="3132722"/>
+            <a:ext cx="1175448" cy="369332"/>
+          </a:xfrm>
+          <a:prstGeom prst="rect">
+            <a:avLst/>
+          </a:prstGeom>
+          <a:noFill/>
+        </p:spPr>
+        <p:txBody>
+          <a:bodyPr wrap="square" rtlCol="0">
+            <a:spAutoFit/>
+          </a:bodyPr>
+          <a:lstStyle/>
+          <a:p>
+            <a:r>
+              <a:rPr kumimoji="1" lang="zh-CN" altLang="en-US"/>
+              <a:t>互信息法</a:t>
+            </a:r>
+            <a:endParaRPr kumimoji="1" lang="zh-CN" altLang="en-US" dirty="0"/>
+          </a:p>
+        </p:txBody>
+      </p:sp>
+      <p:cxnSp>
+        <p:nvCxnSpPr>
+          <p:cNvPr id="37" name="直线箭头连接符 15">
+            <a:extLst>
+              <a:ext uri="{FF2B5EF4-FFF2-40B4-BE49-F238E27FC236}">
+                <a16:creationId xmlns:a16="http://schemas.microsoft.com/office/drawing/2014/main" id="{A696F565-DCA1-48B9-AD4A-B2815A85AE31}"/>
+              </a:ext>
+            </a:extLst>
+          </p:cNvPr>
+          <p:cNvCxnSpPr>
+            <a:cxnSpLocks/>
+            <a:stCxn id="7" idx="3"/>
+            <a:endCxn id="9" idx="1"/>
+          </p:cNvCxnSpPr>
+          <p:nvPr/>
+        </p:nvCxnSpPr>
+        <p:spPr>
+          <a:xfrm flipV="1">
+            <a:off x="7781635" y="2307264"/>
+            <a:ext cx="1013635" cy="1"/>
+          </a:xfrm>
+          <a:prstGeom prst="straightConnector1">
+            <a:avLst/>
+          </a:prstGeom>
+          <a:ln>
+            <a:tailEnd type="triangle"/>
+          </a:ln>
+        </p:spPr>
+        <p:style>
+          <a:lnRef idx="3">
+            <a:schemeClr val="dk1"/>
+          </a:lnRef>
+          <a:fillRef idx="0">
+            <a:schemeClr val="dk1"/>
+          </a:fillRef>
+          <a:effectRef idx="2">
+            <a:schemeClr val="dk1"/>
+          </a:effectRef>
+          <a:fontRef idx="minor">
+            <a:schemeClr val="tx1"/>
+          </a:fontRef>
+        </p:style>
+      </p:cxnSp>
+    </p:spTree>
+    <p:extLst>
+      <p:ext uri="{BB962C8B-B14F-4D97-AF65-F5344CB8AC3E}">
+        <p14:creationId xmlns:p14="http://schemas.microsoft.com/office/powerpoint/2010/main" val="4052342685"/>
+      </p:ext>
+    </p:extLst>
+  </p:cSld>
+  <p:clrMapOvr>
+    <a:masterClrMapping/>
+  </p:clrMapOvr>
+</p:sld>
+</file>
+
+<file path=ppt/slides/slide5.xml><?xml version="1.0" encoding="utf-8"?>
+<p:sld xmlns:a="http://schemas.openxmlformats.org/drawingml/2006/main" xmlns:r="http://schemas.openxmlformats.org/officeDocument/2006/relationships" xmlns:p="http://schemas.openxmlformats.org/presentationml/2006/main">
+  <p:cSld>
+    <p:spTree>
+      <p:nvGrpSpPr>
+        <p:cNvPr id="1" name=""/>
+        <p:cNvGrpSpPr/>
+        <p:nvPr/>
+      </p:nvGrpSpPr>
+      <p:grpSpPr>
+        <a:xfrm>
+          <a:off x="0" y="0"/>
+          <a:ext cx="0" cy="0"/>
+          <a:chOff x="0" y="0"/>
+          <a:chExt cx="0" cy="0"/>
+        </a:xfrm>
+      </p:grpSpPr>
+      <p:sp>
+        <p:nvSpPr>
+          <p:cNvPr id="2" name="标题 1">
+            <a:extLst>
+              <a:ext uri="{FF2B5EF4-FFF2-40B4-BE49-F238E27FC236}">
+                <a16:creationId xmlns:a16="http://schemas.microsoft.com/office/drawing/2014/main" id="{D9D3AA4D-67D8-4A04-9F76-1A0FDDE7A49A}"/>
+              </a:ext>
+            </a:extLst>
+          </p:cNvPr>
+          <p:cNvSpPr>
+            <a:spLocks noGrp="1"/>
+          </p:cNvSpPr>
+          <p:nvPr>
+            <p:ph type="title"/>
+          </p:nvPr>
+        </p:nvSpPr>
+        <p:spPr/>
+        <p:txBody>
+          <a:bodyPr/>
+          <a:lstStyle/>
+          <a:p>
+            <a:r>
+              <a:rPr lang="en-US" altLang="zh-CN"/>
+              <a:t>HanLP</a:t>
+            </a:r>
+            <a:r>
+              <a:rPr lang="zh-CN" altLang="en-US"/>
+              <a:t>提供的对外接口</a:t>
+            </a:r>
+          </a:p>
+        </p:txBody>
+      </p:sp>
+      <p:sp>
+        <p:nvSpPr>
+          <p:cNvPr id="3" name="内容占位符 2">
+            <a:extLst>
+              <a:ext uri="{FF2B5EF4-FFF2-40B4-BE49-F238E27FC236}">
+                <a16:creationId xmlns:a16="http://schemas.microsoft.com/office/drawing/2014/main" id="{8562B40E-9CDD-47CF-BA0E-2F077AA192FC}"/>
+              </a:ext>
+            </a:extLst>
+          </p:cNvPr>
+          <p:cNvSpPr>
+            <a:spLocks noGrp="1"/>
+          </p:cNvSpPr>
+          <p:nvPr>
+            <p:ph idx="1"/>
+          </p:nvPr>
+        </p:nvSpPr>
+        <p:spPr>
+          <a:xfrm>
+            <a:off x="838200" y="1608806"/>
+            <a:ext cx="10515600" cy="4782565"/>
+          </a:xfrm>
+        </p:spPr>
+        <p:txBody>
+          <a:bodyPr>
+            <a:normAutofit/>
+          </a:bodyPr>
+          <a:lstStyle/>
+          <a:p>
+            <a:r>
+              <a:rPr lang="en-US" altLang="zh-CN"/>
+              <a:t>public static List&lt;WordInfo&gt; extractWords(String text, int size)</a:t>
+            </a:r>
+          </a:p>
+          <a:p>
+            <a:r>
+              <a:rPr lang="en-US" altLang="zh-CN"/>
+              <a:t>public static List&lt;WordInfo&gt; extractWords(String text, int size, boolean newWordsOnly)</a:t>
+            </a:r>
+          </a:p>
+          <a:p>
+            <a:r>
+              <a:rPr lang="en-US" altLang="zh-CN"/>
+              <a:t>public static List&lt;WordInfo&gt; extractWords(BufferedReader reader, int size)</a:t>
+            </a:r>
+          </a:p>
+          <a:p>
+            <a:r>
+              <a:rPr lang="en-US" altLang="zh-CN"/>
+              <a:t>public static List&lt;WordInfo&gt; extractWords(BufferedReader reader, int size, boolean newWordsOnly)</a:t>
+            </a:r>
+          </a:p>
+          <a:p>
+            <a:r>
+              <a:rPr lang="en-US" altLang="zh-CN"/>
+              <a:t>public static List&lt;WordInfo&gt; extractWords(BufferedReader reader, int size, boolean newWordsOnly, int max_word_len, float min_freq, float min_entropy, float min_aggregation)</a:t>
+            </a:r>
+            <a:endParaRPr lang="zh-CN" altLang="en-US"/>
+          </a:p>
+        </p:txBody>
+      </p:sp>
+    </p:spTree>
+    <p:extLst>
+      <p:ext uri="{BB962C8B-B14F-4D97-AF65-F5344CB8AC3E}">
+        <p14:creationId xmlns:p14="http://schemas.microsoft.com/office/powerpoint/2010/main" val="196491571"/>
+      </p:ext>
+    </p:extLst>
+  </p:cSld>
+  <p:clrMapOvr>
+    <a:masterClrMapping/>
+  </p:clrMapOvr>
+</p:sld>
+</file>
+
 <file path=ppt/theme/theme1.xml><?xml version="1.0" encoding="utf-8"?>
 <a:theme xmlns:a="http://schemas.openxmlformats.org/drawingml/2006/main" name="Office 主题">
   <a:themeElements>
